--- a/asset/Learn/ITA-Ansible-Driver_en.pptx
+++ b/asset/Learn/ITA-Ansible-Driver_en.pptx
@@ -320,7 +320,7 @@
               <a:rPr kumimoji="1" lang="ja-JP" altLang="en-US" smtClean="0">
                 <a:ea typeface="メイリオ" panose="020B0604030504040204" pitchFamily="50" charset="-128"/>
               </a:rPr>
-              <a:t>2020/12/9</a:t>
+              <a:t>2021/8/4</a:t>
             </a:fld>
             <a:endParaRPr kumimoji="1" lang="ja-JP" altLang="en-US" dirty="0">
               <a:ea typeface="メイリオ" panose="020B0604030504040204" pitchFamily="50" charset="-128"/>
@@ -466,7 +466,7 @@
             <a:fld id="{4B26993D-C081-44EB-B0F5-A9F467792B62}" type="datetimeFigureOut">
               <a:rPr lang="ja-JP" altLang="en-US" smtClean="0"/>
               <a:pPr/>
-              <a:t>2020/12/9</a:t>
+              <a:t>2021/8/4</a:t>
             </a:fld>
             <a:endParaRPr lang="ja-JP" altLang="en-US" dirty="0"/>
           </a:p>
@@ -1089,7 +1089,7 @@
           <a:p>
             <a:fld id="{56F9016B-CCA6-43BE-8BEE-59565A35F4F7}" type="datetimeFigureOut">
               <a:rPr kumimoji="1" lang="ja-JP" altLang="en-US" smtClean="0"/>
-              <a:t>2020/12/9</a:t>
+              <a:t>2021/8/4</a:t>
             </a:fld>
             <a:endParaRPr kumimoji="1" lang="ja-JP" altLang="en-US"/>
           </a:p>
@@ -1291,7 +1291,7 @@
           <a:p>
             <a:fld id="{56F9016B-CCA6-43BE-8BEE-59565A35F4F7}" type="datetimeFigureOut">
               <a:rPr kumimoji="1" lang="ja-JP" altLang="en-US" smtClean="0"/>
-              <a:t>2020/12/9</a:t>
+              <a:t>2021/8/4</a:t>
             </a:fld>
             <a:endParaRPr kumimoji="1" lang="ja-JP" altLang="en-US"/>
           </a:p>
@@ -1537,7 +1537,7 @@
           <a:p>
             <a:fld id="{56F9016B-CCA6-43BE-8BEE-59565A35F4F7}" type="datetimeFigureOut">
               <a:rPr kumimoji="1" lang="ja-JP" altLang="en-US" smtClean="0"/>
-              <a:t>2020/12/9</a:t>
+              <a:t>2021/8/4</a:t>
             </a:fld>
             <a:endParaRPr kumimoji="1" lang="ja-JP" altLang="en-US"/>
           </a:p>
@@ -1833,7 +1833,7 @@
           <a:p>
             <a:fld id="{56F9016B-CCA6-43BE-8BEE-59565A35F4F7}" type="datetimeFigureOut">
               <a:rPr kumimoji="1" lang="ja-JP" altLang="en-US" smtClean="0"/>
-              <a:t>2020/12/9</a:t>
+              <a:t>2021/8/4</a:t>
             </a:fld>
             <a:endParaRPr kumimoji="1" lang="ja-JP" altLang="en-US"/>
           </a:p>
@@ -2264,7 +2264,7 @@
           <a:p>
             <a:fld id="{56F9016B-CCA6-43BE-8BEE-59565A35F4F7}" type="datetimeFigureOut">
               <a:rPr kumimoji="1" lang="ja-JP" altLang="en-US" smtClean="0"/>
-              <a:t>2020/12/9</a:t>
+              <a:t>2021/8/4</a:t>
             </a:fld>
             <a:endParaRPr kumimoji="1" lang="ja-JP" altLang="en-US"/>
           </a:p>
@@ -2382,7 +2382,7 @@
           <a:p>
             <a:fld id="{56F9016B-CCA6-43BE-8BEE-59565A35F4F7}" type="datetimeFigureOut">
               <a:rPr kumimoji="1" lang="ja-JP" altLang="en-US" smtClean="0"/>
-              <a:t>2020/12/9</a:t>
+              <a:t>2021/8/4</a:t>
             </a:fld>
             <a:endParaRPr kumimoji="1" lang="ja-JP" altLang="en-US"/>
           </a:p>
@@ -2477,7 +2477,7 @@
           <a:p>
             <a:fld id="{56F9016B-CCA6-43BE-8BEE-59565A35F4F7}" type="datetimeFigureOut">
               <a:rPr kumimoji="1" lang="ja-JP" altLang="en-US" smtClean="0"/>
-              <a:t>2020/12/9</a:t>
+              <a:t>2021/8/4</a:t>
             </a:fld>
             <a:endParaRPr kumimoji="1" lang="ja-JP" altLang="en-US"/>
           </a:p>
@@ -2786,7 +2786,7 @@
           <a:p>
             <a:fld id="{56F9016B-CCA6-43BE-8BEE-59565A35F4F7}" type="datetimeFigureOut">
               <a:rPr kumimoji="1" lang="ja-JP" altLang="en-US" smtClean="0"/>
-              <a:t>2020/12/9</a:t>
+              <a:t>2021/8/4</a:t>
             </a:fld>
             <a:endParaRPr kumimoji="1" lang="ja-JP" altLang="en-US"/>
           </a:p>
@@ -3039,7 +3039,7 @@
           <a:p>
             <a:fld id="{56F9016B-CCA6-43BE-8BEE-59565A35F4F7}" type="datetimeFigureOut">
               <a:rPr kumimoji="1" lang="ja-JP" altLang="en-US" smtClean="0"/>
-              <a:t>2020/12/9</a:t>
+              <a:t>2021/8/4</a:t>
             </a:fld>
             <a:endParaRPr kumimoji="1" lang="ja-JP" altLang="en-US"/>
           </a:p>
@@ -3316,7 +3316,7 @@
           <a:p>
             <a:fld id="{56F9016B-CCA6-43BE-8BEE-59565A35F4F7}" type="datetimeFigureOut">
               <a:rPr kumimoji="1" lang="ja-JP" altLang="en-US" smtClean="0"/>
-              <a:t>2020/12/9</a:t>
+              <a:t>2021/8/4</a:t>
             </a:fld>
             <a:endParaRPr kumimoji="1" lang="ja-JP" altLang="en-US"/>
           </a:p>
@@ -3528,7 +3528,7 @@
           <a:p>
             <a:fld id="{56F9016B-CCA6-43BE-8BEE-59565A35F4F7}" type="datetimeFigureOut">
               <a:rPr kumimoji="1" lang="ja-JP" altLang="en-US" smtClean="0"/>
-              <a:t>2020/12/9</a:t>
+              <a:t>2021/8/4</a:t>
             </a:fld>
             <a:endParaRPr kumimoji="1" lang="ja-JP" altLang="en-US"/>
           </a:p>
@@ -6587,7 +6587,7 @@
           <a:p>
             <a:fld id="{56F9016B-CCA6-43BE-8BEE-59565A35F4F7}" type="datetimeFigureOut">
               <a:rPr kumimoji="1" lang="ja-JP" altLang="en-US" smtClean="0"/>
-              <a:t>2020/12/9</a:t>
+              <a:t>2021/8/4</a:t>
             </a:fld>
             <a:endParaRPr kumimoji="1" lang="ja-JP" altLang="en-US"/>
           </a:p>
@@ -7021,9 +7021,8 @@
           <a:p>
             <a:r>
               <a:rPr lang="en-US" altLang="ja-JP" dirty="0" smtClean="0"/>
-              <a:t>Version 1.3</a:t>
-            </a:r>
-            <a:endParaRPr lang="en-US" altLang="ja-JP" dirty="0" smtClean="0"/>
+              <a:t>Exastro IT Automation Version 1.7.2</a:t>
+            </a:r>
           </a:p>
           <a:p>
             <a:r>
@@ -7837,11 +7836,7 @@
           <a:p>
             <a:r>
               <a:rPr lang="en-US" altLang="ja-JP" sz="1800" dirty="0"/>
-              <a:t>When executing, the parameters given to variables can be managed in the parameter sheets in Exastro ITA.</a:t>
-            </a:r>
-            <a:r>
-              <a:rPr lang="en-US" altLang="ja-JP" sz="1800" dirty="0"/>
-              <a:t> </a:t>
+              <a:t>When executing, the parameters given to variables can be managed in the parameter sheets in Exastro ITA. </a:t>
             </a:r>
             <a:endParaRPr lang="ja-JP" altLang="en-US" sz="1800" kern="0" dirty="0">
               <a:latin typeface="+mj-ea"/>
@@ -12560,15 +12555,7 @@
                   <a:schemeClr val="bg1"/>
                 </a:solidFill>
               </a:rPr>
-              <a:t>them to Playbook</a:t>
-            </a:r>
-            <a:r>
-              <a:rPr lang="en-US" altLang="ja-JP" sz="1000" b="1" dirty="0">
-                <a:solidFill>
-                  <a:schemeClr val="bg1"/>
-                </a:solidFill>
-              </a:rPr>
-              <a:t> </a:t>
+              <a:t>them to Playbook </a:t>
             </a:r>
             <a:endParaRPr lang="ja-JP" altLang="en-US" sz="1000" b="1" dirty="0">
               <a:solidFill>
@@ -17589,13 +17576,7 @@
               <a:rPr lang="en-US" altLang="ja-JP" sz="1100" dirty="0">
                 <a:hlinkClick r:id="rId2"/>
               </a:rPr>
-              <a:t>Learn:BASE</a:t>
-            </a:r>
-            <a:r>
-              <a:rPr lang="en-US" altLang="ja-JP" sz="1100" dirty="0">
-                <a:hlinkClick r:id="rId2"/>
-              </a:rPr>
-              <a:t>.</a:t>
+              <a:t>Learn:BASE.</a:t>
             </a:r>
             <a:r>
               <a:rPr lang="en-US" altLang="ja-JP" sz="1100" dirty="0"/>
@@ -17854,11 +17835,7 @@
             </a:r>
             <a:r>
               <a:rPr lang="en-US" altLang="ja-JP" sz="1800" dirty="0"/>
-              <a:t>when using ITA, this is what happens in the background.</a:t>
-            </a:r>
-            <a:r>
-              <a:rPr lang="en-US" altLang="ja-JP" sz="1800" dirty="0"/>
-              <a:t> </a:t>
+              <a:t>when using ITA, this is what happens in the background. </a:t>
             </a:r>
             <a:endParaRPr lang="ja-JP" altLang="en-US" sz="1800" kern="0" dirty="0">
               <a:latin typeface="+mj-ea"/>
@@ -19170,7 +19147,7 @@
       </p:grpSpPr>
       <p:pic>
         <p:nvPicPr>
-          <p:cNvPr id="4" name="図 3"/>
+          <p:cNvPr id="5" name="図 4"/>
           <p:cNvPicPr>
             <a:picLocks noChangeAspect="1"/>
           </p:cNvPicPr>
@@ -19184,8 +19161,8 @@
         </p:blipFill>
         <p:spPr>
           <a:xfrm>
-            <a:off x="6561188" y="1556742"/>
-            <a:ext cx="2043372" cy="4278790"/>
+            <a:off x="6561189" y="1556742"/>
+            <a:ext cx="1620512" cy="4278790"/>
           </a:xfrm>
           <a:prstGeom prst="rect">
             <a:avLst/>
@@ -19267,7 +19244,6 @@
               <a:rPr lang="en-US" altLang="ja-JP" b="1" dirty="0" smtClean="0"/>
               <a:t>Menu functions explanation</a:t>
             </a:r>
-            <a:endParaRPr lang="en-US" altLang="ja-JP" b="1" dirty="0" smtClean="0"/>
           </a:p>
           <a:p>
             <a:pPr lvl="1"/>
@@ -19287,7 +19263,6 @@
               <a:rPr lang="en-US" altLang="ja-JP" sz="1400" b="1" dirty="0" smtClean="0"/>
               <a:t>list</a:t>
             </a:r>
-            <a:endParaRPr lang="en-US" altLang="ja-JP" sz="1400" b="1" dirty="0" smtClean="0"/>
           </a:p>
           <a:p>
             <a:pPr marL="396000" lvl="3" indent="0">
@@ -19322,7 +19297,6 @@
               <a:rPr lang="en-US" altLang="ja-JP" sz="1400" dirty="0"/>
               <a:t> </a:t>
             </a:r>
-            <a:endParaRPr lang="en-US" altLang="ja-JP" sz="1400" dirty="0"/>
           </a:p>
           <a:p>
             <a:pPr lvl="1"/>
@@ -19338,7 +19312,6 @@
               <a:rPr lang="en-US" altLang="ja-JP" sz="1400" b="1" dirty="0" smtClean="0"/>
               <a:t>details</a:t>
             </a:r>
-            <a:endParaRPr lang="en-US" altLang="ja-JP" sz="1400" b="1" dirty="0" smtClean="0"/>
           </a:p>
           <a:p>
             <a:pPr marL="396000" lvl="3" indent="0">
@@ -19364,7 +19337,6 @@
               <a:rPr lang="en-US" altLang="ja-JP" sz="1400" b="1" dirty="0" smtClean="0"/>
               <a:t>Substitution value auto-registration settings</a:t>
             </a:r>
-            <a:endParaRPr lang="en-US" altLang="ja-JP" sz="1400" b="1" dirty="0" smtClean="0"/>
           </a:p>
           <a:p>
             <a:pPr marL="396000" lvl="3" indent="0">
@@ -19393,7 +19365,6 @@
               <a:rPr lang="en-US" altLang="ja-JP" sz="1400" b="1" dirty="0" smtClean="0"/>
               <a:t>Target host</a:t>
             </a:r>
-            <a:endParaRPr lang="en-US" altLang="ja-JP" sz="1400" b="1" dirty="0" smtClean="0"/>
           </a:p>
           <a:p>
             <a:pPr marL="396000" lvl="3" indent="0">
@@ -19419,7 +19390,6 @@
               <a:rPr lang="en-US" altLang="ja-JP" sz="1400" b="1" dirty="0" smtClean="0"/>
               <a:t>Substitution value list</a:t>
             </a:r>
-            <a:endParaRPr lang="en-US" altLang="ja-JP" sz="1400" b="1" dirty="0" smtClean="0"/>
           </a:p>
           <a:p>
             <a:pPr marL="396000" lvl="3" indent="0">
@@ -19433,7 +19403,6 @@
               <a:rPr lang="en-US" altLang="ja-JP" sz="1400" dirty="0"/>
               <a:t> </a:t>
             </a:r>
-            <a:endParaRPr lang="en-US" altLang="ja-JP" sz="1400" dirty="0"/>
           </a:p>
           <a:p>
             <a:pPr lvl="1"/>
@@ -19441,7 +19410,6 @@
               <a:rPr lang="en-US" altLang="ja-JP" sz="1400" b="1" dirty="0" smtClean="0"/>
               <a:t>Execution</a:t>
             </a:r>
-            <a:endParaRPr lang="en-US" altLang="ja-JP" sz="1400" b="1" dirty="0" smtClean="0"/>
           </a:p>
           <a:p>
             <a:pPr marL="396000" lvl="3" indent="0">
@@ -19455,7 +19423,6 @@
               <a:rPr lang="en-US" altLang="ja-JP" sz="1400" dirty="0"/>
               <a:t> </a:t>
             </a:r>
-            <a:endParaRPr lang="en-US" altLang="ja-JP" sz="1400" dirty="0"/>
           </a:p>
           <a:p>
             <a:pPr lvl="1"/>
@@ -19495,7 +19462,6 @@
               <a:rPr lang="en-US" altLang="ja-JP" sz="1400" dirty="0"/>
               <a:t> </a:t>
             </a:r>
-            <a:endParaRPr lang="en-US" altLang="ja-JP" sz="1400" dirty="0"/>
           </a:p>
         </p:txBody>
       </p:sp>
@@ -19507,8 +19473,8 @@
         </p:nvSpPr>
         <p:spPr bwMode="auto">
           <a:xfrm>
-            <a:off x="6550246" y="2225148"/>
-            <a:ext cx="1478234" cy="3220131"/>
+            <a:off x="6550245" y="2276840"/>
+            <a:ext cx="1631455" cy="3558692"/>
           </a:xfrm>
           <a:prstGeom prst="rect">
             <a:avLst/>
@@ -19607,10 +19573,6 @@
               <a:rPr lang="en-US" altLang="ja-JP" dirty="0" smtClean="0"/>
               <a:t>Features of each mode</a:t>
             </a:r>
-            <a:r>
-              <a:rPr lang="en-US" altLang="ja-JP" dirty="0" smtClean="0"/>
-              <a:t/>
-            </a:r>
             <a:br>
               <a:rPr lang="en-US" altLang="ja-JP" dirty="0" smtClean="0"/>
             </a:br>
@@ -19755,14 +19717,14 @@
               <a:buChar char="l"/>
             </a:pPr>
             <a:r>
-              <a:rPr lang="en-US" altLang="ja-JP" dirty="0"/>
+              <a:rPr lang="en-US" altLang="ja-JP" b="1" dirty="0"/>
               <a:t>The prime feature of Ansible-Legacy is to register and use role packages.</a:t>
             </a:r>
             <a:r>
-              <a:rPr lang="en-US" altLang="ja-JP" sz="2400" dirty="0"/>
+              <a:rPr lang="en-US" altLang="ja-JP" sz="2400" b="1" dirty="0"/>
               <a:t> </a:t>
             </a:r>
-            <a:endParaRPr lang="en-US" altLang="ja-JP" sz="2400" dirty="0" smtClean="0"/>
+            <a:endParaRPr lang="en-US" altLang="ja-JP" sz="2400" b="1" dirty="0" smtClean="0"/>
           </a:p>
           <a:p>
             <a:pPr>
@@ -19770,11 +19732,11 @@
               <a:buChar char="l"/>
             </a:pPr>
             <a:r>
-              <a:rPr lang="en-US" altLang="ja-JP" dirty="0"/>
+              <a:rPr lang="en-US" altLang="ja-JP" b="1" dirty="0"/>
               <a:t>You can use roles that you`ve created yourself or roles acquired from Ansible-Galaxy</a:t>
             </a:r>
             <a:r>
-              <a:rPr lang="en-US" altLang="ja-JP" sz="2400" dirty="0"/>
+              <a:rPr lang="en-US" altLang="ja-JP" sz="2400" b="1" dirty="0"/>
               <a:t> </a:t>
             </a:r>
             <a:endParaRPr lang="en-US" altLang="ja-JP" sz="2100" b="1" dirty="0" smtClean="0">
@@ -19828,15 +19790,6 @@
               </a:rPr>
               <a:t>All the wisdom in the whole world – Ansible LegacyRole mode.</a:t>
             </a:r>
-            <a:endParaRPr lang="en-US" altLang="ja-JP" sz="2000" b="1" dirty="0" smtClean="0">
-              <a:solidFill>
-                <a:schemeClr val="accent6">
-                  <a:lumMod val="90000"/>
-                  <a:lumOff val="10000"/>
-                </a:schemeClr>
-              </a:solidFill>
-              <a:cs typeface="メイリオ" panose="020B0604030504040204" pitchFamily="50" charset="-128"/>
-            </a:endParaRPr>
           </a:p>
         </p:txBody>
       </p:sp>
@@ -24419,11 +24372,7 @@
             </a:r>
             <a:r>
               <a:rPr lang="en-US" altLang="ja-JP" dirty="0" smtClean="0"/>
-              <a:t>(3/4</a:t>
-            </a:r>
-            <a:r>
-              <a:rPr lang="en-US" altLang="ja-JP" dirty="0" smtClean="0"/>
-              <a:t>)</a:t>
+              <a:t>(3/4)</a:t>
             </a:r>
             <a:endParaRPr kumimoji="1" lang="ja-JP" altLang="en-US" dirty="0"/>
           </a:p>
@@ -24623,7 +24572,11 @@
             </a:pPr>
             <a:r>
               <a:rPr lang="en-US" altLang="ja-JP" dirty="0"/>
-              <a:t>While it </a:t>
+              <a:t>While </a:t>
+            </a:r>
+            <a:r>
+              <a:rPr lang="en-US" altLang="ja-JP" dirty="0" smtClean="0"/>
+              <a:t>you </a:t>
             </a:r>
             <a:r>
               <a:rPr lang="en-US" altLang="ja-JP" dirty="0" smtClean="0">
@@ -24631,7 +24584,7 @@
                   <a:srgbClr val="FF0000"/>
                 </a:solidFill>
               </a:rPr>
-              <a:t>isn't </a:t>
+              <a:t>don’t have </a:t>
             </a:r>
             <a:r>
               <a:rPr lang="en-US" altLang="ja-JP" dirty="0">
@@ -24639,7 +24592,7 @@
                   <a:srgbClr val="FF0000"/>
                 </a:solidFill>
               </a:rPr>
-              <a:t>necessary to be aware about this </a:t>
+              <a:t>to be aware about this </a:t>
             </a:r>
             <a:r>
               <a:rPr lang="en-US" altLang="ja-JP" dirty="0"/>
@@ -26214,7 +26167,7 @@
           <p:nvPr>
             <p:extLst>
               <p:ext uri="{D42A27DB-BD31-4B8C-83A1-F6EECF244321}">
-                <p14:modId xmlns:p14="http://schemas.microsoft.com/office/powerpoint/2010/main" val="3686090582"/>
+                <p14:modId xmlns:p14="http://schemas.microsoft.com/office/powerpoint/2010/main" val="3153877086"/>
               </p:ext>
             </p:extLst>
           </p:nvPr>
@@ -28082,7 +28035,7 @@
                     <a:p>
                       <a:pPr algn="l" fontAlgn="ctr"/>
                       <a:r>
-                        <a:rPr lang="en-US" sz="1100" b="0" i="0" u="none" strike="noStrike" dirty="0">
+                        <a:rPr lang="en-US" sz="1100" b="0" i="0" u="none" strike="noStrike" dirty="0" smtClean="0">
                           <a:solidFill>
                             <a:srgbClr val="000000"/>
                           </a:solidFill>
@@ -28090,8 +28043,16 @@
                           <a:latin typeface="游ゴシック" panose="020B0400000000000000" pitchFamily="50" charset="-128"/>
                           <a:ea typeface="游ゴシック" panose="020B0400000000000000" pitchFamily="50" charset="-128"/>
                         </a:rPr>
-                        <a:t>Execute playbook</a:t>
+                        <a:t>Execute Playbook</a:t>
                       </a:r>
+                      <a:endParaRPr lang="en-US" sz="1100" b="0" i="0" u="none" strike="noStrike" dirty="0">
+                        <a:solidFill>
+                          <a:srgbClr val="000000"/>
+                        </a:solidFill>
+                        <a:effectLst/>
+                        <a:latin typeface="游ゴシック" panose="020B0400000000000000" pitchFamily="50" charset="-128"/>
+                        <a:ea typeface="游ゴシック" panose="020B0400000000000000" pitchFamily="50" charset="-128"/>
+                      </a:endParaRPr>
                     </a:p>
                   </a:txBody>
                   <a:tcPr marL="7620" marR="7620" marT="7620" marB="0" anchor="ctr">
@@ -28508,7 +28469,7 @@
       </p:grpSpPr>
       <p:pic>
         <p:nvPicPr>
-          <p:cNvPr id="4" name="図 3"/>
+          <p:cNvPr id="5" name="図 4"/>
           <p:cNvPicPr>
             <a:picLocks noChangeAspect="1"/>
           </p:cNvPicPr>
@@ -28522,8 +28483,8 @@
         </p:blipFill>
         <p:spPr>
           <a:xfrm>
-            <a:off x="6372251" y="1628750"/>
-            <a:ext cx="2016280" cy="4812520"/>
+            <a:off x="6381651" y="1628751"/>
+            <a:ext cx="1675715" cy="4812520"/>
           </a:xfrm>
           <a:prstGeom prst="rect">
             <a:avLst/>
@@ -28559,15 +28520,11 @@
             </a:r>
             <a:r>
               <a:rPr lang="en-US" altLang="ja-JP" dirty="0" err="1" smtClean="0"/>
-              <a:t>Legacyrole</a:t>
+              <a:t>LegacyRole</a:t>
             </a:r>
             <a:r>
               <a:rPr lang="en-US" altLang="ja-JP" dirty="0" smtClean="0"/>
-              <a:t> mode (4/4</a:t>
-            </a:r>
-            <a:r>
-              <a:rPr lang="en-US" altLang="ja-JP" dirty="0" smtClean="0"/>
-              <a:t>)</a:t>
+              <a:t> mode (4/4)</a:t>
             </a:r>
             <a:endParaRPr kumimoji="1" lang="ja-JP" altLang="en-US" dirty="0"/>
           </a:p>
@@ -28599,10 +28556,6 @@
               <a:rPr lang="en-US" altLang="ja-JP" b="1" dirty="0" smtClean="0"/>
               <a:t>Menu function explanation.</a:t>
             </a:r>
-            <a:r>
-              <a:rPr lang="en-US" altLang="ja-JP" b="1" dirty="0" smtClean="0"/>
-              <a:t/>
-            </a:r>
             <a:br>
               <a:rPr lang="en-US" altLang="ja-JP" b="1" dirty="0" smtClean="0"/>
             </a:br>
@@ -28612,13 +28565,28 @@
             </a:r>
             <a:r>
               <a:rPr lang="en-US" altLang="ja-JP" sz="1800" dirty="0"/>
-              <a:t>Here we will explain the similarities it has to Ansible-Legacy mode. </a:t>
+              <a:t>Here we will explain the </a:t>
+            </a:r>
+            <a:r>
+              <a:rPr lang="en-US" altLang="ja-JP" sz="1800" dirty="0" smtClean="0"/>
+              <a:t>similarities between Ansible-</a:t>
+            </a:r>
+            <a:r>
+              <a:rPr lang="en-US" altLang="ja-JP" sz="1800" dirty="0" err="1" smtClean="0"/>
+              <a:t>LegacyRole</a:t>
+            </a:r>
+            <a:r>
+              <a:rPr lang="en-US" altLang="ja-JP" sz="1800" dirty="0" smtClean="0"/>
+              <a:t> mode and </a:t>
+            </a:r>
+            <a:r>
+              <a:rPr lang="en-US" altLang="ja-JP" sz="1800" dirty="0"/>
+              <a:t>Ansible-Legacy mode. </a:t>
             </a:r>
             <a:r>
               <a:rPr lang="en-US" altLang="ja-JP" sz="1700" dirty="0" smtClean="0"/>
               <a:t>)</a:t>
             </a:r>
-            <a:endParaRPr lang="en-US" altLang="ja-JP" sz="1700" dirty="0" smtClean="0"/>
           </a:p>
           <a:p>
             <a:pPr lvl="1"/>
@@ -28630,7 +28598,6 @@
               <a:rPr lang="en-US" altLang="ja-JP" sz="1400" b="1" dirty="0" smtClean="0"/>
               <a:t>Role package list</a:t>
             </a:r>
-            <a:endParaRPr lang="en-US" altLang="ja-JP" sz="1400" b="1" dirty="0" smtClean="0"/>
           </a:p>
           <a:p>
             <a:pPr marL="396000" lvl="3" indent="0">
@@ -28650,9 +28617,8 @@
             <a:pPr lvl="1"/>
             <a:r>
               <a:rPr lang="en-US" altLang="ja-JP" sz="1400" b="1" dirty="0" smtClean="0"/>
-              <a:t>Nested variable maximum iteration count list</a:t>
-            </a:r>
-            <a:endParaRPr lang="en-US" altLang="ja-JP" sz="1400" b="1" dirty="0" smtClean="0"/>
+              <a:t>Nested variable list</a:t>
+            </a:r>
           </a:p>
           <a:p>
             <a:pPr marL="396000" lvl="3" indent="0">
@@ -28666,20 +28632,19 @@
               <a:rPr lang="en-US" altLang="ja-JP" sz="1600" dirty="0"/>
               <a:t> </a:t>
             </a:r>
-            <a:endParaRPr lang="en-US" altLang="ja-JP" sz="1600" dirty="0"/>
           </a:p>
         </p:txBody>
       </p:sp>
       <p:sp>
         <p:nvSpPr>
-          <p:cNvPr id="7" name="正方形/長方形 6"/>
+          <p:cNvPr id="8" name="正方形/長方形 7"/>
           <p:cNvSpPr/>
           <p:nvPr/>
         </p:nvSpPr>
         <p:spPr bwMode="auto">
           <a:xfrm>
-            <a:off x="6381651" y="2732066"/>
-            <a:ext cx="1512088" cy="354569"/>
+            <a:off x="6360586" y="3521106"/>
+            <a:ext cx="1690374" cy="442159"/>
           </a:xfrm>
           <a:prstGeom prst="rect">
             <a:avLst/>
@@ -28711,14 +28676,14 @@
       </p:sp>
       <p:sp>
         <p:nvSpPr>
-          <p:cNvPr id="8" name="正方形/長方形 7"/>
+          <p:cNvPr id="9" name="正方形/長方形 8"/>
           <p:cNvSpPr/>
           <p:nvPr/>
         </p:nvSpPr>
         <p:spPr bwMode="auto">
           <a:xfrm>
-            <a:off x="6372249" y="3418901"/>
-            <a:ext cx="1521489" cy="442159"/>
+            <a:off x="6360586" y="2744565"/>
+            <a:ext cx="1690374" cy="442159"/>
           </a:xfrm>
           <a:prstGeom prst="rect">
             <a:avLst/>
@@ -28817,10 +28782,6 @@
               <a:rPr lang="en-US" altLang="ja-JP" dirty="0" smtClean="0"/>
               <a:t>Features of each mode</a:t>
             </a:r>
-            <a:r>
-              <a:rPr lang="en-US" altLang="ja-JP" dirty="0" smtClean="0"/>
-              <a:t/>
-            </a:r>
             <a:br>
               <a:rPr lang="en-US" altLang="ja-JP" dirty="0" smtClean="0"/>
             </a:br>
@@ -28978,15 +28939,7 @@
             </a:r>
             <a:r>
               <a:rPr lang="en-US" altLang="ja-JP" b="1" dirty="0"/>
-              <a:t>automate even by using all of the Ansible modules, the benefits of </a:t>
-            </a:r>
-            <a:r>
-              <a:rPr lang="en-US" altLang="ja-JP" b="1" dirty="0"/>
-              <a:t>autimating</a:t>
-            </a:r>
-            <a:r>
-              <a:rPr lang="en-US" altLang="ja-JP" b="1" dirty="0"/>
-              <a:t> will be cut down to half. </a:t>
+              <a:t>automate even by using all of the Ansible modules, the benefits of autimating will be cut down to half. </a:t>
             </a:r>
             <a:r>
               <a:rPr lang="en-US" altLang="ja-JP" sz="1800" b="1" dirty="0" smtClean="0">
@@ -29061,15 +29014,6 @@
               </a:rPr>
               <a:t>Ansible Pioneer mode – The final trump card that doesn’t stop Automation</a:t>
             </a:r>
-            <a:endParaRPr lang="en-US" altLang="ja-JP" sz="2000" b="1" dirty="0" smtClean="0">
-              <a:solidFill>
-                <a:schemeClr val="accent6">
-                  <a:lumMod val="90000"/>
-                  <a:lumOff val="10000"/>
-                </a:schemeClr>
-              </a:solidFill>
-              <a:cs typeface="メイリオ" panose="020B0604030504040204" pitchFamily="50" charset="-128"/>
-            </a:endParaRPr>
           </a:p>
         </p:txBody>
       </p:sp>
@@ -29604,7 +29548,11 @@
             </a:r>
             <a:r>
               <a:rPr lang="en-US" altLang="ja-JP" sz="1600" kern="0" dirty="0"/>
-              <a:t> ※</a:t>
+              <a:t> </a:t>
+            </a:r>
+            <a:r>
+              <a:rPr lang="en-US" altLang="ja-JP" sz="1600" kern="0" dirty="0" smtClean="0"/>
+              <a:t>(※)</a:t>
             </a:r>
             <a:r>
               <a:rPr lang="en-US" altLang="ja-JP" sz="1600" dirty="0" smtClean="0"/>
@@ -29612,11 +29560,7 @@
             </a:r>
             <a:r>
               <a:rPr lang="en-US" altLang="ja-JP" sz="1600" dirty="0"/>
-              <a:t>in order.</a:t>
-            </a:r>
-            <a:r>
-              <a:rPr lang="en-US" altLang="ja-JP" sz="1600" dirty="0"/>
-              <a:t> </a:t>
+              <a:t>in order. </a:t>
             </a:r>
             <a:r>
               <a:rPr lang="en-US" altLang="ja-JP" sz="1600" kern="0" dirty="0" smtClean="0"/>
@@ -29631,11 +29575,7 @@
             </a:r>
             <a:r>
               <a:rPr lang="en-US" altLang="ja-JP" sz="1600" dirty="0"/>
-              <a:t>More about dialog files will be explained in the next slide.</a:t>
-            </a:r>
-            <a:r>
-              <a:rPr lang="en-US" altLang="ja-JP" sz="1600" dirty="0"/>
-              <a:t> </a:t>
+              <a:t>More about dialog files will be explained in the next slide. </a:t>
             </a:r>
             <a:endParaRPr lang="en-US" altLang="ja-JP" sz="1600" kern="0" dirty="0"/>
           </a:p>
@@ -29819,15 +29759,7 @@
                 <a:ea typeface="+mj-ea"/>
                 <a:cs typeface="Consolas" panose="020B0609020204030204" pitchFamily="49" charset="0"/>
               </a:rPr>
-              <a:t>Dialog file </a:t>
-            </a:r>
-            <a:r>
-              <a:rPr lang="en-US" altLang="ja-JP" sz="1200" dirty="0" smtClean="0">
-                <a:latin typeface="Consolas" panose="020B0609020204030204" pitchFamily="49" charset="0"/>
-                <a:ea typeface="+mj-ea"/>
-                <a:cs typeface="Consolas" panose="020B0609020204030204" pitchFamily="49" charset="0"/>
-              </a:rPr>
-              <a:t>1</a:t>
+              <a:t>Dialog file 1</a:t>
             </a:r>
             <a:r>
               <a:rPr lang="en-US" altLang="ja-JP" sz="1400" dirty="0" smtClean="0">
@@ -29835,15 +29767,7 @@
                 <a:ea typeface="+mj-ea"/>
                 <a:cs typeface="Consolas" panose="020B0609020204030204" pitchFamily="49" charset="0"/>
               </a:rPr>
-              <a:t> </a:t>
-            </a:r>
-            <a:r>
-              <a:rPr lang="en-US" altLang="ja-JP" sz="1400" dirty="0" smtClean="0">
-                <a:latin typeface="Consolas" panose="020B0609020204030204" pitchFamily="49" charset="0"/>
-                <a:ea typeface="+mj-ea"/>
-                <a:cs typeface="Consolas" panose="020B0609020204030204" pitchFamily="49" charset="0"/>
-              </a:rPr>
-              <a:t>}}</a:t>
+              <a:t> }}</a:t>
             </a:r>
             <a:endParaRPr lang="en-US" altLang="ja-JP" sz="1400" dirty="0">
               <a:latin typeface="Consolas" panose="020B0609020204030204" pitchFamily="49" charset="0"/>
@@ -29897,15 +29821,7 @@
                 <a:ea typeface="+mj-ea"/>
                 <a:cs typeface="Consolas" panose="020B0609020204030204" pitchFamily="49" charset="0"/>
               </a:rPr>
-              <a:t>Dialog file </a:t>
-            </a:r>
-            <a:r>
-              <a:rPr lang="en-US" altLang="ja-JP" sz="1200" dirty="0" smtClean="0">
-                <a:latin typeface="Consolas" panose="020B0609020204030204" pitchFamily="49" charset="0"/>
-                <a:ea typeface="+mj-ea"/>
-                <a:cs typeface="Consolas" panose="020B0609020204030204" pitchFamily="49" charset="0"/>
-              </a:rPr>
-              <a:t>2</a:t>
+              <a:t>Dialog file 2</a:t>
             </a:r>
             <a:r>
               <a:rPr lang="en-US" altLang="ja-JP" sz="1400" dirty="0" smtClean="0">
@@ -29913,15 +29829,7 @@
                 <a:ea typeface="+mj-ea"/>
                 <a:cs typeface="Consolas" panose="020B0609020204030204" pitchFamily="49" charset="0"/>
               </a:rPr>
-              <a:t> </a:t>
-            </a:r>
-            <a:r>
-              <a:rPr lang="en-US" altLang="ja-JP" sz="1400" dirty="0" smtClean="0">
-                <a:latin typeface="Consolas" panose="020B0609020204030204" pitchFamily="49" charset="0"/>
-                <a:ea typeface="+mj-ea"/>
-                <a:cs typeface="Consolas" panose="020B0609020204030204" pitchFamily="49" charset="0"/>
-              </a:rPr>
-              <a:t>}}</a:t>
+              <a:t> }}</a:t>
             </a:r>
             <a:endParaRPr lang="en-US" altLang="ja-JP" sz="1400" dirty="0">
               <a:latin typeface="Consolas" panose="020B0609020204030204" pitchFamily="49" charset="0"/>
@@ -29975,15 +29883,7 @@
                 <a:ea typeface="+mj-ea"/>
                 <a:cs typeface="Consolas" panose="020B0609020204030204" pitchFamily="49" charset="0"/>
               </a:rPr>
-              <a:t>Dialog file </a:t>
-            </a:r>
-            <a:r>
-              <a:rPr lang="en-US" altLang="ja-JP" sz="1200" dirty="0" smtClean="0">
-                <a:latin typeface="Consolas" panose="020B0609020204030204" pitchFamily="49" charset="0"/>
-                <a:ea typeface="+mj-ea"/>
-                <a:cs typeface="Consolas" panose="020B0609020204030204" pitchFamily="49" charset="0"/>
-              </a:rPr>
-              <a:t>3</a:t>
+              <a:t>Dialog file 3</a:t>
             </a:r>
             <a:r>
               <a:rPr lang="en-US" altLang="ja-JP" sz="1400" dirty="0" smtClean="0">
@@ -29991,15 +29891,7 @@
                 <a:ea typeface="+mj-ea"/>
                 <a:cs typeface="Consolas" panose="020B0609020204030204" pitchFamily="49" charset="0"/>
               </a:rPr>
-              <a:t> </a:t>
-            </a:r>
-            <a:r>
-              <a:rPr lang="en-US" altLang="ja-JP" sz="1400" dirty="0" smtClean="0">
-                <a:latin typeface="Consolas" panose="020B0609020204030204" pitchFamily="49" charset="0"/>
-                <a:ea typeface="+mj-ea"/>
-                <a:cs typeface="Consolas" panose="020B0609020204030204" pitchFamily="49" charset="0"/>
-              </a:rPr>
-              <a:t>}}</a:t>
+              <a:t> }}</a:t>
             </a:r>
             <a:endParaRPr lang="en-US" altLang="ja-JP" sz="1400" dirty="0">
               <a:latin typeface="Consolas" panose="020B0609020204030204" pitchFamily="49" charset="0"/>
@@ -30329,11 +30221,7 @@
             <a:pPr algn="ctr"/>
             <a:r>
               <a:rPr lang="en-US" altLang="ja-JP" sz="1200" dirty="0" smtClean="0"/>
-              <a:t>Dialog file </a:t>
-            </a:r>
-            <a:r>
-              <a:rPr lang="en-US" altLang="ja-JP" sz="1200" dirty="0" smtClean="0"/>
-              <a:t>1</a:t>
+              <a:t>Dialog file 1</a:t>
             </a:r>
             <a:endParaRPr lang="en-US" altLang="ja-JP" sz="1200" dirty="0"/>
           </a:p>
@@ -30393,11 +30281,7 @@
             <a:pPr algn="ctr"/>
             <a:r>
               <a:rPr lang="en-US" altLang="ja-JP" sz="1200" dirty="0" smtClean="0"/>
-              <a:t>Dialog file </a:t>
-            </a:r>
-            <a:r>
-              <a:rPr lang="en-US" altLang="ja-JP" sz="1200" dirty="0" smtClean="0"/>
-              <a:t>2</a:t>
+              <a:t>Dialog file 2</a:t>
             </a:r>
             <a:endParaRPr lang="en-US" altLang="ja-JP" sz="1200" dirty="0"/>
           </a:p>
@@ -31190,16 +31074,6 @@
               </a:rPr>
               <a:t>}}‘</a:t>
             </a:r>
-            <a:endParaRPr lang="en-US" altLang="ja-JP" sz="1400" dirty="0" smtClean="0">
-              <a:solidFill>
-                <a:schemeClr val="bg1">
-                  <a:lumMod val="95000"/>
-                </a:schemeClr>
-              </a:solidFill>
-              <a:latin typeface="Consolas" panose="020B0609020204030204" pitchFamily="49" charset="0"/>
-              <a:ea typeface="+mj-ea"/>
-              <a:cs typeface="Consolas" panose="020B0609020204030204" pitchFamily="49" charset="0"/>
-            </a:endParaRPr>
           </a:p>
           <a:p>
             <a:r>
@@ -31459,11 +31333,7 @@
           <a:p>
             <a:r>
               <a:rPr lang="en-US" altLang="ja-JP" b="1" dirty="0"/>
-              <a:t>Dialog file "Template" example</a:t>
-            </a:r>
-            <a:r>
-              <a:rPr lang="en-US" altLang="ja-JP" b="1" dirty="0"/>
-              <a:t> </a:t>
+              <a:t>Dialog file "Template" example </a:t>
             </a:r>
             <a:endParaRPr lang="en-US" altLang="ja-JP" b="1" dirty="0" smtClean="0"/>
           </a:p>
@@ -31474,11 +31344,7 @@
             </a:pPr>
             <a:r>
               <a:rPr lang="en-US" altLang="ja-JP" sz="1200" dirty="0"/>
-              <a:t>Log into the target system and check the status of the service defined by the variables.</a:t>
-            </a:r>
-            <a:r>
-              <a:rPr lang="en-US" altLang="ja-JP" sz="1200" dirty="0"/>
-              <a:t> </a:t>
+              <a:t>Log into the target system and check the status of the service defined by the variables. </a:t>
             </a:r>
             <a:endParaRPr lang="en-US" altLang="ja-JP" sz="1200" dirty="0" smtClean="0"/>
           </a:p>
@@ -31497,11 +31363,7 @@
             </a:r>
             <a:r>
               <a:rPr lang="en-US" altLang="ja-JP" sz="1200" dirty="0"/>
-              <a:t>the status is anything other than "disable", the "complete" will be output to the prompt.</a:t>
-            </a:r>
-            <a:r>
-              <a:rPr lang="en-US" altLang="ja-JP" sz="1200" dirty="0"/>
-              <a:t> </a:t>
+              <a:t>the status is anything other than "disable", the "complete" will be output to the prompt. </a:t>
             </a:r>
             <a:endParaRPr lang="en-US" altLang="ja-JP" sz="1200" dirty="0" smtClean="0"/>
           </a:p>
@@ -31535,11 +31397,7 @@
             </a:r>
             <a:r>
               <a:rPr lang="en-US" altLang="ja-JP" sz="1200" dirty="0"/>
-              <a:t>to parameter sheets.</a:t>
-            </a:r>
-            <a:r>
-              <a:rPr lang="en-US" altLang="ja-JP" sz="1200" dirty="0"/>
-              <a:t> </a:t>
+              <a:t>to parameter sheets. </a:t>
             </a:r>
             <a:endParaRPr lang="en-US" altLang="ja-JP" sz="1200" dirty="0" smtClean="0"/>
           </a:p>
@@ -32191,30 +32049,14 @@
             </a:r>
             <a:r>
               <a:rPr lang="en-US" altLang="ja-JP" sz="1600" dirty="0"/>
-              <a:t>can write Target settings in a dialog format.</a:t>
-            </a:r>
-            <a:r>
-              <a:rPr lang="en-US" altLang="ja-JP" sz="1600" dirty="0"/>
-              <a:t> </a:t>
-            </a:r>
-            <a:r>
-              <a:rPr lang="en-US" altLang="ja-JP" sz="1600" dirty="0"/>
-              <a:t/>
+              <a:t>can write Target settings in a dialog format. </a:t>
             </a:r>
             <a:br>
               <a:rPr lang="en-US" altLang="ja-JP" sz="1600" dirty="0"/>
             </a:br>
             <a:r>
               <a:rPr lang="en-US" altLang="ja-JP" sz="1600" dirty="0"/>
-              <a:t>Additionally, by comparing and cycling simple expect commands and using conditional processing and such, users can create high-grade dialogs.</a:t>
-            </a:r>
-            <a:r>
-              <a:rPr lang="en-US" altLang="ja-JP" sz="1600" dirty="0"/>
-              <a:t> </a:t>
-            </a:r>
-            <a:r>
-              <a:rPr lang="en-US" altLang="ja-JP" sz="1600" dirty="0"/>
-              <a:t/>
+              <a:t>Additionally, by comparing and cycling simple expect commands and using conditional processing and such, users can create high-grade dialogs. </a:t>
             </a:r>
             <a:br>
               <a:rPr lang="en-US" altLang="ja-JP" sz="1600" dirty="0"/>
@@ -32358,11 +32200,7 @@
           <a:p>
             <a:r>
               <a:rPr lang="en-US" altLang="ja-JP" sz="1600" dirty="0"/>
-              <a:t>In Pioneer , it is possible to execute operations that doesnt get affected when there are different types of OS by setting"os</a:t>
-            </a:r>
-            <a:r>
-              <a:rPr lang="en-US" altLang="ja-JP" sz="1600" dirty="0"/>
-              <a:t> type" and "Dialog </a:t>
+              <a:t>In Pioneer , it is possible to execute operations that doesnt get affected when there are different types of OS by setting"os type" and "Dialog </a:t>
             </a:r>
             <a:r>
               <a:rPr lang="en-US" altLang="ja-JP" sz="1600" dirty="0" smtClean="0"/>
@@ -32385,21 +32223,36 @@
             </a:r>
             <a:r>
               <a:rPr lang="en-US" altLang="ja-JP" sz="1600" dirty="0"/>
-              <a:t>- Set to Dialog </a:t>
+              <a:t>- Set to </a:t>
+            </a:r>
+            <a:r>
+              <a:rPr lang="en-US" altLang="ja-JP" sz="1600" u="sng" dirty="0"/>
+              <a:t>Dialog </a:t>
+            </a:r>
+            <a:r>
+              <a:rPr lang="en-US" altLang="ja-JP" sz="1600" u="sng" dirty="0" smtClean="0"/>
+              <a:t>file</a:t>
+            </a:r>
+            <a:r>
+              <a:rPr lang="en-US" altLang="ja-JP" sz="1600" dirty="0" smtClean="0"/>
+              <a:t> </a:t>
             </a:r>
             <a:r>
               <a:rPr lang="en-US" altLang="ja-JP" sz="1600" dirty="0"/>
-              <a:t>dile and Target device. </a:t>
+              <a:t>and </a:t>
+            </a:r>
+            <a:r>
+              <a:rPr lang="en-US" altLang="ja-JP" sz="1600" u="sng" dirty="0"/>
+              <a:t>Target device</a:t>
             </a:r>
             <a:r>
               <a:rPr lang="en-US" altLang="ja-JP" sz="1600" dirty="0"/>
-              <a:t>It will come handy when you`re choosing what dialog file is getting executed</a:t>
+              <a:t>. It will come handy when you`re choosing what dialog file is getting executed</a:t>
             </a:r>
             <a:r>
               <a:rPr lang="en-US" altLang="ja-JP" sz="1600" dirty="0" smtClean="0"/>
               <a:t>.</a:t>
             </a:r>
-            <a:endParaRPr lang="en-US" altLang="ja-JP" sz="1600" dirty="0" smtClean="0"/>
           </a:p>
           <a:p>
             <a:pPr>
@@ -32467,11 +32320,7 @@
             </a:r>
             <a:r>
               <a:rPr lang="en-US" altLang="ja-JP" sz="800" dirty="0"/>
-              <a:t>to the true server.</a:t>
-            </a:r>
-            <a:r>
-              <a:rPr lang="en-US" altLang="ja-JP" sz="800" dirty="0"/>
-              <a:t> </a:t>
+              <a:t>to the true server. </a:t>
             </a:r>
             <a:endParaRPr kumimoji="1" lang="en-US" altLang="ja-JP" sz="800" dirty="0" smtClean="0">
               <a:latin typeface="+mn-ea"/>
@@ -32617,16 +32466,7 @@
                 </a:solidFill>
                 <a:latin typeface="+mn-ea"/>
               </a:rPr>
-              <a:t>Dialog type </a:t>
-            </a:r>
-            <a:r>
-              <a:rPr lang="en-US" altLang="ja-JP" sz="1200" b="1" dirty="0" smtClean="0">
-                <a:solidFill>
-                  <a:schemeClr val="bg1"/>
-                </a:solidFill>
-                <a:latin typeface="+mn-ea"/>
-              </a:rPr>
-              <a:t>A</a:t>
+              <a:t>Dialog type A</a:t>
             </a:r>
             <a:endParaRPr kumimoji="1" lang="ja-JP" altLang="en-US" sz="1200" b="1" dirty="0" smtClean="0">
               <a:solidFill>
@@ -33824,11 +33664,7 @@
           <a:p>
             <a:r>
               <a:rPr lang="en-US" altLang="ja-JP" sz="1200" u="sng" dirty="0" smtClean="0"/>
-              <a:t>Dialog file </a:t>
-            </a:r>
-            <a:r>
-              <a:rPr lang="en-US" altLang="ja-JP" sz="1200" u="sng" dirty="0" smtClean="0"/>
-              <a:t>B</a:t>
+              <a:t>Dialog file B</a:t>
             </a:r>
             <a:r>
               <a:rPr lang="en-US" altLang="ja-JP" sz="1200" dirty="0" smtClean="0"/>
@@ -34229,11 +34065,7 @@
           <a:p>
             <a:r>
               <a:rPr lang="en-US" altLang="ja-JP" sz="1200" u="sng" dirty="0" smtClean="0"/>
-              <a:t>Dialog file </a:t>
-            </a:r>
-            <a:r>
-              <a:rPr lang="en-US" altLang="ja-JP" sz="1200" u="sng" dirty="0" smtClean="0"/>
-              <a:t>C</a:t>
+              <a:t>Dialog file C</a:t>
             </a:r>
             <a:r>
               <a:rPr lang="en-US" altLang="ja-JP" sz="1200" dirty="0" smtClean="0"/>
@@ -35779,11 +35611,22 @@
             </a:r>
             <a:r>
               <a:rPr lang="en-US" altLang="ja-JP" sz="800" dirty="0"/>
-              <a:t>Load Balance to the true server.</a:t>
+              <a:t>Load </a:t>
+            </a:r>
+            <a:r>
+              <a:rPr lang="en-US" altLang="ja-JP" sz="800" dirty="0" smtClean="0"/>
+              <a:t>Balance</a:t>
+            </a:r>
+            <a:br>
+              <a:rPr lang="en-US" altLang="ja-JP" sz="800" dirty="0" smtClean="0"/>
+            </a:br>
+            <a:r>
+              <a:rPr lang="en-US" altLang="ja-JP" sz="800" dirty="0" smtClean="0"/>
+              <a:t> </a:t>
             </a:r>
             <a:r>
               <a:rPr lang="en-US" altLang="ja-JP" sz="800" dirty="0"/>
-              <a:t> </a:t>
+              <a:t>to the true server. </a:t>
             </a:r>
             <a:endParaRPr kumimoji="1" lang="en-US" altLang="ja-JP" sz="800" dirty="0" smtClean="0">
               <a:latin typeface="+mn-ea"/>
@@ -35929,16 +35772,7 @@
                 </a:solidFill>
                 <a:latin typeface="+mn-ea"/>
               </a:rPr>
-              <a:t>Dialog type </a:t>
-            </a:r>
-            <a:r>
-              <a:rPr lang="en-US" altLang="ja-JP" sz="1200" b="1" dirty="0" smtClean="0">
-                <a:solidFill>
-                  <a:schemeClr val="bg1"/>
-                </a:solidFill>
-                <a:latin typeface="+mn-ea"/>
-              </a:rPr>
-              <a:t>A</a:t>
+              <a:t>Dialog type A</a:t>
             </a:r>
             <a:endParaRPr kumimoji="1" lang="ja-JP" altLang="en-US" sz="1200" b="1" dirty="0" smtClean="0">
               <a:solidFill>
@@ -36346,10 +36180,6 @@
               <a:rPr lang="en-US" altLang="ja-JP" sz="1400" dirty="0" smtClean="0"/>
               <a:t>Maintain OS types (monitor/register/update/abolish)</a:t>
             </a:r>
-            <a:r>
-              <a:rPr lang="en-US" altLang="ja-JP" sz="1400" dirty="0" smtClean="0"/>
-              <a:t/>
-            </a:r>
             <a:br>
               <a:rPr lang="en-US" altLang="ja-JP" sz="1400" dirty="0" smtClean="0"/>
             </a:br>
@@ -36364,7 +36194,6 @@
               <a:rPr lang="en-US" altLang="ja-JP" sz="1400" b="1" dirty="0" smtClean="0"/>
               <a:t>Dialog type list</a:t>
             </a:r>
-            <a:endParaRPr lang="en-US" altLang="ja-JP" sz="1400" b="1" dirty="0" smtClean="0"/>
           </a:p>
           <a:p>
             <a:pPr marL="180000" lvl="1" indent="0">
@@ -36573,7 +36402,7 @@
       </p:grpSpPr>
       <p:pic>
         <p:nvPicPr>
-          <p:cNvPr id="6" name="図 5"/>
+          <p:cNvPr id="7" name="図 6"/>
           <p:cNvPicPr>
             <a:picLocks noChangeAspect="1"/>
           </p:cNvPicPr>
@@ -36587,8 +36416,8 @@
         </p:blipFill>
         <p:spPr>
           <a:xfrm>
-            <a:off x="1187530" y="2205058"/>
-            <a:ext cx="6984970" cy="4039106"/>
+            <a:off x="539441" y="2249558"/>
+            <a:ext cx="8150462" cy="3839509"/>
           </a:xfrm>
           <a:prstGeom prst="rect">
             <a:avLst/>
@@ -36665,38 +36494,56 @@
               <a:rPr lang="en-US" altLang="ja-JP" sz="1600" b="1" dirty="0" smtClean="0"/>
               <a:t>Main Menu</a:t>
             </a:r>
-            <a:endParaRPr lang="en-US" altLang="ja-JP" sz="1600" b="1" dirty="0" smtClean="0"/>
           </a:p>
           <a:p>
             <a:pPr lvl="1"/>
             <a:r>
               <a:rPr lang="en-US" altLang="ja-JP" dirty="0"/>
-              <a:t>This document will explain the functions andconcept</a:t>
+              <a:t>This document will explain the functions </a:t>
+            </a:r>
+            <a:r>
+              <a:rPr lang="en-US" altLang="ja-JP" dirty="0" smtClean="0"/>
+              <a:t>and concept </a:t>
             </a:r>
             <a:r>
               <a:rPr lang="en-US" altLang="ja-JP" dirty="0"/>
-              <a:t> of the menu groups: "Ansible-Legacy", "</a:t>
+              <a:t>of </a:t>
             </a:r>
             <a:r>
               <a:rPr lang="en-US" altLang="ja-JP" dirty="0" smtClean="0"/>
+              <a:t>these </a:t>
+            </a:r>
+            <a:r>
+              <a:rPr lang="en-US" altLang="ja-JP" dirty="0"/>
+              <a:t>menu groups: </a:t>
+            </a:r>
+            <a:r>
+              <a:rPr lang="en-US" altLang="ja-JP" b="1" dirty="0"/>
+              <a:t>"Ansible-Legacy", "</a:t>
+            </a:r>
+            <a:r>
+              <a:rPr lang="en-US" altLang="ja-JP" b="1" dirty="0" smtClean="0"/>
               <a:t>Ansible-LegacyRole" </a:t>
             </a:r>
             <a:r>
+              <a:rPr lang="en-US" altLang="ja-JP" b="1" dirty="0"/>
+              <a:t>and "Ansible-Pioneer</a:t>
+            </a:r>
+            <a:r>
+              <a:rPr lang="en-US" altLang="ja-JP" b="1" dirty="0" smtClean="0"/>
+              <a:t>".</a:t>
+            </a:r>
+          </a:p>
+          <a:p>
+            <a:pPr lvl="1"/>
+            <a:r>
+              <a:rPr lang="en-US" altLang="ja-JP" dirty="0" smtClean="0"/>
+              <a:t>We’ve </a:t>
+            </a:r>
+            <a:r>
               <a:rPr lang="en-US" altLang="ja-JP" dirty="0"/>
-              <a:t>and "Ansible-Pioneer</a:t>
-            </a:r>
-            <a:r>
-              <a:rPr lang="en-US" altLang="ja-JP" dirty="0" smtClean="0"/>
-              <a:t>".</a:t>
-            </a:r>
-          </a:p>
-          <a:p>
-            <a:pPr lvl="1"/>
-            <a:r>
-              <a:rPr lang="en-US" altLang="ja-JP" dirty="0"/>
-              <a:t>We`ve prepared a practice document that uses screenshots to explain, so feel free to use that together with this document. </a:t>
-            </a:r>
-            <a:endParaRPr lang="en-US" altLang="ja-JP" dirty="0"/>
+              <a:t>prepared a practice document that uses screenshots to explain, so feel free to use that together with this document. </a:t>
+            </a:r>
           </a:p>
         </p:txBody>
       </p:sp>
@@ -36884,8 +36731,8 @@
         </p:nvSpPr>
         <p:spPr bwMode="auto">
           <a:xfrm>
-            <a:off x="3394881" y="4385397"/>
-            <a:ext cx="2342032" cy="900000"/>
+            <a:off x="3137024" y="3751394"/>
+            <a:ext cx="1712968" cy="657501"/>
           </a:xfrm>
           <a:prstGeom prst="rect">
             <a:avLst/>
@@ -36923,8 +36770,8 @@
         </p:nvSpPr>
         <p:spPr bwMode="auto">
           <a:xfrm>
-            <a:off x="2609111" y="4385397"/>
-            <a:ext cx="756000" cy="900000"/>
+            <a:off x="2555721" y="3751394"/>
+            <a:ext cx="581304" cy="657501"/>
           </a:xfrm>
           <a:prstGeom prst="rect">
             <a:avLst/>
@@ -36965,13 +36812,13 @@
         </p:nvSpPr>
         <p:spPr bwMode="auto">
           <a:xfrm>
-            <a:off x="2798783" y="5525790"/>
+            <a:off x="2662193" y="5066929"/>
             <a:ext cx="2938130" cy="720100"/>
           </a:xfrm>
           <a:prstGeom prst="wedgeRoundRectCallout">
             <a:avLst>
-              <a:gd name="adj1" fmla="val 22674"/>
-              <a:gd name="adj2" fmla="val -82983"/>
+              <a:gd name="adj1" fmla="val -11868"/>
+              <a:gd name="adj2" fmla="val -131822"/>
               <a:gd name="adj3" fmla="val 16667"/>
             </a:avLst>
           </a:prstGeom>
@@ -37012,11 +36859,7 @@
             </a:r>
             <a:r>
               <a:rPr lang="en-US" altLang="ja-JP" sz="1200" dirty="0"/>
-              <a:t>these 3 menu groups.</a:t>
-            </a:r>
-            <a:r>
-              <a:rPr lang="en-US" altLang="ja-JP" sz="1200" dirty="0"/>
-              <a:t> </a:t>
+              <a:t>these 3 menu groups. </a:t>
             </a:r>
             <a:endParaRPr kumimoji="1" lang="en-US" altLang="ja-JP" sz="1200" dirty="0" smtClean="0">
               <a:latin typeface="+mn-ea"/>
@@ -37032,13 +36875,13 @@
         </p:nvSpPr>
         <p:spPr bwMode="auto">
           <a:xfrm>
-            <a:off x="140956" y="4149100"/>
-            <a:ext cx="2369788" cy="2095064"/>
+            <a:off x="56376" y="3751394"/>
+            <a:ext cx="2369788" cy="2831568"/>
           </a:xfrm>
           <a:prstGeom prst="wedgeRoundRectCallout">
             <a:avLst>
-              <a:gd name="adj1" fmla="val 56594"/>
-              <a:gd name="adj2" fmla="val -24326"/>
+              <a:gd name="adj1" fmla="val 55689"/>
+              <a:gd name="adj2" fmla="val -31649"/>
               <a:gd name="adj3" fmla="val 16667"/>
             </a:avLst>
           </a:prstGeom>
@@ -37068,12 +36911,12 @@
             <a:pPr algn="ctr"/>
             <a:r>
               <a:rPr lang="en-US" altLang="ja-JP" sz="1100" dirty="0"/>
-              <a:t>The "Ansible Common" menu group manages menus used by the other Ansible menu groups. The menus are as following.</a:t>
-            </a:r>
-            <a:r>
-              <a:rPr lang="en-US" altLang="ja-JP" sz="1100" dirty="0"/>
-              <a:t> </a:t>
-            </a:r>
+              <a:t>The "Ansible Common" menu group manages menus used by the other Ansible menu groups. The menus are as following. </a:t>
+            </a:r>
+            <a:endParaRPr lang="en-US" altLang="ja-JP" sz="1100" dirty="0" smtClean="0"/>
+          </a:p>
+          <a:p>
+            <a:pPr algn="ctr"/>
             <a:endParaRPr kumimoji="1" lang="en-US" altLang="ja-JP" sz="1100" dirty="0" smtClean="0">
               <a:latin typeface="+mn-ea"/>
             </a:endParaRPr>
@@ -37137,9 +36980,30 @@
               </a:rPr>
               <a:t>Template list</a:t>
             </a:r>
-            <a:endParaRPr kumimoji="1" lang="en-US" altLang="ja-JP" sz="1200" dirty="0" smtClean="0">
-              <a:latin typeface="+mn-ea"/>
-            </a:endParaRPr>
+          </a:p>
+          <a:p>
+            <a:pPr marL="171450" indent="-171450">
+              <a:buFont typeface="Arial" panose="020B0604020202020204" pitchFamily="34" charset="0"/>
+              <a:buChar char="•"/>
+            </a:pPr>
+            <a:r>
+              <a:rPr lang="en-US" altLang="ja-JP" sz="1200" dirty="0" smtClean="0">
+                <a:latin typeface="+mn-ea"/>
+              </a:rPr>
+              <a:t>Collection Interface information</a:t>
+            </a:r>
+          </a:p>
+          <a:p>
+            <a:pPr marL="171450" indent="-171450">
+              <a:buFont typeface="Arial" panose="020B0604020202020204" pitchFamily="34" charset="0"/>
+              <a:buChar char="•"/>
+            </a:pPr>
+            <a:r>
+              <a:rPr kumimoji="1" lang="en-US" altLang="ja-JP" sz="1200" dirty="0" smtClean="0">
+                <a:latin typeface="+mn-ea"/>
+              </a:rPr>
+              <a:t>Collected Item value list</a:t>
+            </a:r>
           </a:p>
         </p:txBody>
       </p:sp>
@@ -37293,11 +37157,7 @@
           <a:p>
             <a:r>
               <a:rPr lang="en-US" altLang="ja-JP" dirty="0" smtClean="0"/>
-              <a:t>2</a:t>
-            </a:r>
-            <a:r>
-              <a:rPr lang="en-US" altLang="ja-JP" dirty="0" smtClean="0"/>
-              <a:t>.</a:t>
+              <a:t>2.</a:t>
             </a:r>
             <a:r>
               <a:rPr lang="ja-JP" altLang="en-US" dirty="0"/>
@@ -39300,16 +39160,7 @@
                 </a:solidFill>
                 <a:cs typeface="メイリオ" panose="020B0604030504040204" pitchFamily="50" charset="-128"/>
               </a:rPr>
-              <a:t>Ansible Driver links the system parameters that ITA centrally manages and the variables of IaC</a:t>
-            </a:r>
-            <a:r>
-              <a:rPr lang="en-US" altLang="ja-JP" sz="1600" b="1" dirty="0" smtClean="0">
-                <a:solidFill>
-                  <a:srgbClr val="FFFFFF"/>
-                </a:solidFill>
-                <a:cs typeface="メイリオ" panose="020B0604030504040204" pitchFamily="50" charset="-128"/>
-              </a:rPr>
-              <a:t> (Playbooks and such) and allows the system to cooperate with Ansible.</a:t>
+              <a:t>Ansible Driver links the system parameters that ITA centrally manages and the variables of IaC (Playbooks and such) and allows the system to cooperate with Ansible.</a:t>
             </a:r>
             <a:endParaRPr lang="ja-JP" altLang="en-US" sz="1600" b="1" dirty="0">
               <a:solidFill>
@@ -41261,11 +41112,7 @@
             </a:pPr>
             <a:r>
               <a:rPr lang="en-US" altLang="ja-JP" sz="1600" dirty="0"/>
-              <a:t>AnsibleTower makes the signals between clusters more secure and controlls</a:t>
-            </a:r>
-            <a:r>
-              <a:rPr lang="en-US" altLang="ja-JP" sz="1600" dirty="0"/>
-              <a:t> Ansible </a:t>
+              <a:t>AnsibleTower makes the signals between clusters more secure and controlls Ansible </a:t>
             </a:r>
             <a:r>
               <a:rPr lang="en-US" altLang="ja-JP" sz="1600" dirty="0" smtClean="0"/>
@@ -41286,11 +41133,7 @@
             </a:br>
             <a:r>
               <a:rPr lang="en-US" altLang="ja-JP" sz="1600" dirty="0"/>
-              <a:t>by combining the features of the 3 modes, IT Automation + AnsibleTower + AnsibleEngine</a:t>
-            </a:r>
-            <a:r>
-              <a:rPr lang="en-US" altLang="ja-JP" sz="1600" dirty="0"/>
-              <a:t>, </a:t>
+              <a:t>by combining the features of the 3 modes, IT Automation + AnsibleTower + AnsibleEngine, </a:t>
             </a:r>
             <a:r>
               <a:rPr lang="en-US" altLang="ja-JP" sz="1600" dirty="0" smtClean="0"/>
@@ -41298,15 +41141,7 @@
             </a:r>
             <a:r>
               <a:rPr lang="en-US" altLang="ja-JP" sz="1600" dirty="0"/>
-              <a:t>be both save </a:t>
-            </a:r>
-            <a:r>
-              <a:rPr lang="en-US" altLang="ja-JP" sz="1600" dirty="0"/>
-              <a:t>labour</a:t>
-            </a:r>
-            <a:r>
-              <a:rPr lang="en-US" altLang="ja-JP" sz="1600" dirty="0"/>
-              <a:t> and be more efficient. </a:t>
+              <a:t>be both save labour and be more efficient. </a:t>
             </a:r>
             <a:endParaRPr lang="en-US" altLang="ja-JP" sz="1600" dirty="0">
               <a:solidFill>
@@ -41478,11 +41313,7 @@
           <a:p>
             <a:r>
               <a:rPr lang="en-US" altLang="ja-JP" kern="0" dirty="0" smtClean="0"/>
-              <a:t>3</a:t>
-            </a:r>
-            <a:r>
-              <a:rPr lang="en-US" altLang="ja-JP" kern="0" dirty="0" smtClean="0"/>
-              <a:t>.</a:t>
+              <a:t>3.</a:t>
             </a:r>
             <a:r>
               <a:rPr lang="ja-JP" altLang="en-US" kern="0" dirty="0"/>
@@ -43473,11 +43304,7 @@
             </a:pPr>
             <a:r>
               <a:rPr lang="en-US" altLang="ja-JP" sz="1100" b="1" dirty="0" smtClean="0"/>
-              <a:t>※</a:t>
-            </a:r>
-            <a:r>
-              <a:rPr lang="en-US" altLang="ja-JP" sz="1100" b="1" dirty="0" smtClean="0"/>
-              <a:t>Remarks</a:t>
+              <a:t>※Remarks</a:t>
             </a:r>
             <a:r>
               <a:rPr lang="ja-JP" altLang="en-US" sz="1100" b="1" dirty="0"/>
@@ -43997,7 +43824,6 @@
                 <a:rPr lang="en-US" altLang="ja-JP" sz="1400" kern="0" dirty="0" smtClean="0"/>
                 <a:t>reusability</a:t>
               </a:r>
-              <a:endParaRPr lang="en-US" altLang="ja-JP" sz="1400" kern="0" dirty="0" smtClean="0"/>
             </a:p>
             <a:p>
               <a:pPr marL="342900" indent="-342900">
@@ -44768,7 +44594,6 @@
                 <a:rPr lang="en-US" altLang="ja-JP" sz="1500" kern="0" dirty="0" smtClean="0"/>
                 <a:t>Application range</a:t>
               </a:r>
-              <a:endParaRPr lang="en-US" altLang="ja-JP" sz="1500" kern="0" dirty="0" smtClean="0"/>
             </a:p>
             <a:p>
               <a:pPr marL="342900" indent="-342900">
@@ -45493,10 +45318,6 @@
               <a:rPr lang="en-US" altLang="ja-JP" dirty="0" smtClean="0"/>
               <a:t>Features of each mode</a:t>
             </a:r>
-            <a:r>
-              <a:rPr lang="en-US" altLang="ja-JP" dirty="0" smtClean="0"/>
-              <a:t/>
-            </a:r>
             <a:br>
               <a:rPr lang="en-US" altLang="ja-JP" dirty="0" smtClean="0"/>
             </a:br>
@@ -45620,7 +45441,6 @@
               <a:rPr lang="en-US" altLang="ja-JP" sz="1800" b="1" dirty="0" smtClean="0"/>
               <a:t>The prime feature of Legacy is modulating IaC and reusing them.</a:t>
             </a:r>
-            <a:endParaRPr lang="en-US" altLang="ja-JP" sz="1800" b="1" dirty="0" smtClean="0"/>
           </a:p>
           <a:p>
             <a:pPr>
@@ -45629,13 +45449,8 @@
             </a:pPr>
             <a:r>
               <a:rPr lang="en-US" altLang="ja-JP" sz="1800" b="1" dirty="0" smtClean="0"/>
-              <a:t>By reusing registere</a:t>
-            </a:r>
-            <a:r>
-              <a:rPr lang="en-US" altLang="ja-JP" sz="1800" b="1" dirty="0" smtClean="0"/>
-              <a:t>d IaC, it is possible to construct more efficient systems.</a:t>
-            </a:r>
-            <a:endParaRPr lang="en-US" altLang="ja-JP" sz="1800" b="1" dirty="0" smtClean="0"/>
+              <a:t>By reusing registered IaC, it is possible to construct more efficient systems.</a:t>
+            </a:r>
           </a:p>
           <a:p>
             <a:pPr>
@@ -47688,11 +47503,7 @@
           <a:p>
             <a:r>
               <a:rPr lang="en-US" altLang="ja-JP" sz="1400" dirty="0"/>
-              <a:t>Directly executed Playbook</a:t>
-            </a:r>
-            <a:r>
-              <a:rPr lang="en-US" altLang="ja-JP" sz="1400" dirty="0"/>
-              <a:t> </a:t>
+              <a:t>Directly executed Playbook </a:t>
             </a:r>
             <a:endParaRPr lang="ja-JP" altLang="en-US" sz="1400" dirty="0"/>
           </a:p>

--- a/asset/Learn/ITA-Ansible-Driver_en.pptx
+++ b/asset/Learn/ITA-Ansible-Driver_en.pptx
@@ -320,7 +320,7 @@
               <a:rPr kumimoji="1" lang="ja-JP" altLang="en-US" smtClean="0">
                 <a:ea typeface="メイリオ" panose="020B0604030504040204" pitchFamily="50" charset="-128"/>
               </a:rPr>
-              <a:t>2021/8/4</a:t>
+              <a:t>2021/12/10</a:t>
             </a:fld>
             <a:endParaRPr kumimoji="1" lang="ja-JP" altLang="en-US" dirty="0">
               <a:ea typeface="メイリオ" panose="020B0604030504040204" pitchFamily="50" charset="-128"/>
@@ -466,7 +466,7 @@
             <a:fld id="{4B26993D-C081-44EB-B0F5-A9F467792B62}" type="datetimeFigureOut">
               <a:rPr lang="ja-JP" altLang="en-US" smtClean="0"/>
               <a:pPr/>
-              <a:t>2021/8/4</a:t>
+              <a:t>2021/12/10</a:t>
             </a:fld>
             <a:endParaRPr lang="ja-JP" altLang="en-US" dirty="0"/>
           </a:p>
@@ -1089,7 +1089,7 @@
           <a:p>
             <a:fld id="{56F9016B-CCA6-43BE-8BEE-59565A35F4F7}" type="datetimeFigureOut">
               <a:rPr kumimoji="1" lang="ja-JP" altLang="en-US" smtClean="0"/>
-              <a:t>2021/8/4</a:t>
+              <a:t>2021/12/10</a:t>
             </a:fld>
             <a:endParaRPr kumimoji="1" lang="ja-JP" altLang="en-US"/>
           </a:p>
@@ -1291,7 +1291,7 @@
           <a:p>
             <a:fld id="{56F9016B-CCA6-43BE-8BEE-59565A35F4F7}" type="datetimeFigureOut">
               <a:rPr kumimoji="1" lang="ja-JP" altLang="en-US" smtClean="0"/>
-              <a:t>2021/8/4</a:t>
+              <a:t>2021/12/10</a:t>
             </a:fld>
             <a:endParaRPr kumimoji="1" lang="ja-JP" altLang="en-US"/>
           </a:p>
@@ -1537,7 +1537,7 @@
           <a:p>
             <a:fld id="{56F9016B-CCA6-43BE-8BEE-59565A35F4F7}" type="datetimeFigureOut">
               <a:rPr kumimoji="1" lang="ja-JP" altLang="en-US" smtClean="0"/>
-              <a:t>2021/8/4</a:t>
+              <a:t>2021/12/10</a:t>
             </a:fld>
             <a:endParaRPr kumimoji="1" lang="ja-JP" altLang="en-US"/>
           </a:p>
@@ -1833,7 +1833,7 @@
           <a:p>
             <a:fld id="{56F9016B-CCA6-43BE-8BEE-59565A35F4F7}" type="datetimeFigureOut">
               <a:rPr kumimoji="1" lang="ja-JP" altLang="en-US" smtClean="0"/>
-              <a:t>2021/8/4</a:t>
+              <a:t>2021/12/10</a:t>
             </a:fld>
             <a:endParaRPr kumimoji="1" lang="ja-JP" altLang="en-US"/>
           </a:p>
@@ -2264,7 +2264,7 @@
           <a:p>
             <a:fld id="{56F9016B-CCA6-43BE-8BEE-59565A35F4F7}" type="datetimeFigureOut">
               <a:rPr kumimoji="1" lang="ja-JP" altLang="en-US" smtClean="0"/>
-              <a:t>2021/8/4</a:t>
+              <a:t>2021/12/10</a:t>
             </a:fld>
             <a:endParaRPr kumimoji="1" lang="ja-JP" altLang="en-US"/>
           </a:p>
@@ -2382,7 +2382,7 @@
           <a:p>
             <a:fld id="{56F9016B-CCA6-43BE-8BEE-59565A35F4F7}" type="datetimeFigureOut">
               <a:rPr kumimoji="1" lang="ja-JP" altLang="en-US" smtClean="0"/>
-              <a:t>2021/8/4</a:t>
+              <a:t>2021/12/10</a:t>
             </a:fld>
             <a:endParaRPr kumimoji="1" lang="ja-JP" altLang="en-US"/>
           </a:p>
@@ -2477,7 +2477,7 @@
           <a:p>
             <a:fld id="{56F9016B-CCA6-43BE-8BEE-59565A35F4F7}" type="datetimeFigureOut">
               <a:rPr kumimoji="1" lang="ja-JP" altLang="en-US" smtClean="0"/>
-              <a:t>2021/8/4</a:t>
+              <a:t>2021/12/10</a:t>
             </a:fld>
             <a:endParaRPr kumimoji="1" lang="ja-JP" altLang="en-US"/>
           </a:p>
@@ -2786,7 +2786,7 @@
           <a:p>
             <a:fld id="{56F9016B-CCA6-43BE-8BEE-59565A35F4F7}" type="datetimeFigureOut">
               <a:rPr kumimoji="1" lang="ja-JP" altLang="en-US" smtClean="0"/>
-              <a:t>2021/8/4</a:t>
+              <a:t>2021/12/10</a:t>
             </a:fld>
             <a:endParaRPr kumimoji="1" lang="ja-JP" altLang="en-US"/>
           </a:p>
@@ -3039,7 +3039,7 @@
           <a:p>
             <a:fld id="{56F9016B-CCA6-43BE-8BEE-59565A35F4F7}" type="datetimeFigureOut">
               <a:rPr kumimoji="1" lang="ja-JP" altLang="en-US" smtClean="0"/>
-              <a:t>2021/8/4</a:t>
+              <a:t>2021/12/10</a:t>
             </a:fld>
             <a:endParaRPr kumimoji="1" lang="ja-JP" altLang="en-US"/>
           </a:p>
@@ -3316,7 +3316,7 @@
           <a:p>
             <a:fld id="{56F9016B-CCA6-43BE-8BEE-59565A35F4F7}" type="datetimeFigureOut">
               <a:rPr kumimoji="1" lang="ja-JP" altLang="en-US" smtClean="0"/>
-              <a:t>2021/8/4</a:t>
+              <a:t>2021/12/10</a:t>
             </a:fld>
             <a:endParaRPr kumimoji="1" lang="ja-JP" altLang="en-US"/>
           </a:p>
@@ -3528,7 +3528,7 @@
           <a:p>
             <a:fld id="{56F9016B-CCA6-43BE-8BEE-59565A35F4F7}" type="datetimeFigureOut">
               <a:rPr kumimoji="1" lang="ja-JP" altLang="en-US" smtClean="0"/>
-              <a:t>2021/8/4</a:t>
+              <a:t>2021/12/10</a:t>
             </a:fld>
             <a:endParaRPr kumimoji="1" lang="ja-JP" altLang="en-US"/>
           </a:p>
@@ -6587,7 +6587,7 @@
           <a:p>
             <a:fld id="{56F9016B-CCA6-43BE-8BEE-59565A35F4F7}" type="datetimeFigureOut">
               <a:rPr kumimoji="1" lang="ja-JP" altLang="en-US" smtClean="0"/>
-              <a:t>2021/8/4</a:t>
+              <a:t>2021/12/10</a:t>
             </a:fld>
             <a:endParaRPr kumimoji="1" lang="ja-JP" altLang="en-US"/>
           </a:p>
@@ -7021,8 +7021,17 @@
           <a:p>
             <a:r>
               <a:rPr lang="en-US" altLang="ja-JP" dirty="0" smtClean="0"/>
-              <a:t>Exastro IT Automation Version 1.7.2</a:t>
-            </a:r>
+              <a:t>Exastro IT Automation </a:t>
+            </a:r>
+            <a:r>
+              <a:rPr lang="en-US" altLang="ja-JP" smtClean="0"/>
+              <a:t>Version </a:t>
+            </a:r>
+            <a:r>
+              <a:rPr lang="en-US" altLang="ja-JP" smtClean="0"/>
+              <a:t>1.8</a:t>
+            </a:r>
+            <a:endParaRPr lang="en-US" altLang="ja-JP" dirty="0" smtClean="0"/>
           </a:p>
           <a:p>
             <a:r>

--- a/asset/Learn/ITA-Ansible-Driver_en.pptx
+++ b/asset/Learn/ITA-Ansible-Driver_en.pptx
@@ -320,7 +320,7 @@
               <a:rPr kumimoji="1" lang="ja-JP" altLang="en-US" smtClean="0">
                 <a:ea typeface="メイリオ" panose="020B0604030504040204" pitchFamily="50" charset="-128"/>
               </a:rPr>
-              <a:t>2021/12/10</a:t>
+              <a:t>2022/1/25</a:t>
             </a:fld>
             <a:endParaRPr kumimoji="1" lang="ja-JP" altLang="en-US" dirty="0">
               <a:ea typeface="メイリオ" panose="020B0604030504040204" pitchFamily="50" charset="-128"/>
@@ -466,7 +466,7 @@
             <a:fld id="{4B26993D-C081-44EB-B0F5-A9F467792B62}" type="datetimeFigureOut">
               <a:rPr lang="ja-JP" altLang="en-US" smtClean="0"/>
               <a:pPr/>
-              <a:t>2021/12/10</a:t>
+              <a:t>2022/1/25</a:t>
             </a:fld>
             <a:endParaRPr lang="ja-JP" altLang="en-US" dirty="0"/>
           </a:p>
@@ -1089,7 +1089,7 @@
           <a:p>
             <a:fld id="{56F9016B-CCA6-43BE-8BEE-59565A35F4F7}" type="datetimeFigureOut">
               <a:rPr kumimoji="1" lang="ja-JP" altLang="en-US" smtClean="0"/>
-              <a:t>2021/12/10</a:t>
+              <a:t>2022/1/25</a:t>
             </a:fld>
             <a:endParaRPr kumimoji="1" lang="ja-JP" altLang="en-US"/>
           </a:p>
@@ -1291,7 +1291,7 @@
           <a:p>
             <a:fld id="{56F9016B-CCA6-43BE-8BEE-59565A35F4F7}" type="datetimeFigureOut">
               <a:rPr kumimoji="1" lang="ja-JP" altLang="en-US" smtClean="0"/>
-              <a:t>2021/12/10</a:t>
+              <a:t>2022/1/25</a:t>
             </a:fld>
             <a:endParaRPr kumimoji="1" lang="ja-JP" altLang="en-US"/>
           </a:p>
@@ -1537,7 +1537,7 @@
           <a:p>
             <a:fld id="{56F9016B-CCA6-43BE-8BEE-59565A35F4F7}" type="datetimeFigureOut">
               <a:rPr kumimoji="1" lang="ja-JP" altLang="en-US" smtClean="0"/>
-              <a:t>2021/12/10</a:t>
+              <a:t>2022/1/25</a:t>
             </a:fld>
             <a:endParaRPr kumimoji="1" lang="ja-JP" altLang="en-US"/>
           </a:p>
@@ -1833,7 +1833,7 @@
           <a:p>
             <a:fld id="{56F9016B-CCA6-43BE-8BEE-59565A35F4F7}" type="datetimeFigureOut">
               <a:rPr kumimoji="1" lang="ja-JP" altLang="en-US" smtClean="0"/>
-              <a:t>2021/12/10</a:t>
+              <a:t>2022/1/25</a:t>
             </a:fld>
             <a:endParaRPr kumimoji="1" lang="ja-JP" altLang="en-US"/>
           </a:p>
@@ -2264,7 +2264,7 @@
           <a:p>
             <a:fld id="{56F9016B-CCA6-43BE-8BEE-59565A35F4F7}" type="datetimeFigureOut">
               <a:rPr kumimoji="1" lang="ja-JP" altLang="en-US" smtClean="0"/>
-              <a:t>2021/12/10</a:t>
+              <a:t>2022/1/25</a:t>
             </a:fld>
             <a:endParaRPr kumimoji="1" lang="ja-JP" altLang="en-US"/>
           </a:p>
@@ -2382,7 +2382,7 @@
           <a:p>
             <a:fld id="{56F9016B-CCA6-43BE-8BEE-59565A35F4F7}" type="datetimeFigureOut">
               <a:rPr kumimoji="1" lang="ja-JP" altLang="en-US" smtClean="0"/>
-              <a:t>2021/12/10</a:t>
+              <a:t>2022/1/25</a:t>
             </a:fld>
             <a:endParaRPr kumimoji="1" lang="ja-JP" altLang="en-US"/>
           </a:p>
@@ -2477,7 +2477,7 @@
           <a:p>
             <a:fld id="{56F9016B-CCA6-43BE-8BEE-59565A35F4F7}" type="datetimeFigureOut">
               <a:rPr kumimoji="1" lang="ja-JP" altLang="en-US" smtClean="0"/>
-              <a:t>2021/12/10</a:t>
+              <a:t>2022/1/25</a:t>
             </a:fld>
             <a:endParaRPr kumimoji="1" lang="ja-JP" altLang="en-US"/>
           </a:p>
@@ -2786,7 +2786,7 @@
           <a:p>
             <a:fld id="{56F9016B-CCA6-43BE-8BEE-59565A35F4F7}" type="datetimeFigureOut">
               <a:rPr kumimoji="1" lang="ja-JP" altLang="en-US" smtClean="0"/>
-              <a:t>2021/12/10</a:t>
+              <a:t>2022/1/25</a:t>
             </a:fld>
             <a:endParaRPr kumimoji="1" lang="ja-JP" altLang="en-US"/>
           </a:p>
@@ -3039,7 +3039,7 @@
           <a:p>
             <a:fld id="{56F9016B-CCA6-43BE-8BEE-59565A35F4F7}" type="datetimeFigureOut">
               <a:rPr kumimoji="1" lang="ja-JP" altLang="en-US" smtClean="0"/>
-              <a:t>2021/12/10</a:t>
+              <a:t>2022/1/25</a:t>
             </a:fld>
             <a:endParaRPr kumimoji="1" lang="ja-JP" altLang="en-US"/>
           </a:p>
@@ -3316,7 +3316,7 @@
           <a:p>
             <a:fld id="{56F9016B-CCA6-43BE-8BEE-59565A35F4F7}" type="datetimeFigureOut">
               <a:rPr kumimoji="1" lang="ja-JP" altLang="en-US" smtClean="0"/>
-              <a:t>2021/12/10</a:t>
+              <a:t>2022/1/25</a:t>
             </a:fld>
             <a:endParaRPr kumimoji="1" lang="ja-JP" altLang="en-US"/>
           </a:p>
@@ -3528,7 +3528,7 @@
           <a:p>
             <a:fld id="{56F9016B-CCA6-43BE-8BEE-59565A35F4F7}" type="datetimeFigureOut">
               <a:rPr kumimoji="1" lang="ja-JP" altLang="en-US" smtClean="0"/>
-              <a:t>2021/12/10</a:t>
+              <a:t>2022/1/25</a:t>
             </a:fld>
             <a:endParaRPr kumimoji="1" lang="ja-JP" altLang="en-US"/>
           </a:p>
@@ -6587,7 +6587,7 @@
           <a:p>
             <a:fld id="{56F9016B-CCA6-43BE-8BEE-59565A35F4F7}" type="datetimeFigureOut">
               <a:rPr kumimoji="1" lang="ja-JP" altLang="en-US" smtClean="0"/>
-              <a:t>2021/12/10</a:t>
+              <a:t>2022/1/25</a:t>
             </a:fld>
             <a:endParaRPr kumimoji="1" lang="ja-JP" altLang="en-US"/>
           </a:p>
@@ -7021,15 +7021,11 @@
           <a:p>
             <a:r>
               <a:rPr lang="en-US" altLang="ja-JP" dirty="0" smtClean="0"/>
-              <a:t>Exastro IT Automation </a:t>
-            </a:r>
-            <a:r>
-              <a:rPr lang="en-US" altLang="ja-JP" smtClean="0"/>
-              <a:t>Version </a:t>
-            </a:r>
-            <a:r>
-              <a:rPr lang="en-US" altLang="ja-JP" smtClean="0"/>
-              <a:t>1.8</a:t>
+              <a:t>Exastro IT Automation Version </a:t>
+            </a:r>
+            <a:r>
+              <a:rPr lang="en-US" altLang="ja-JP" dirty="0" smtClean="0"/>
+              <a:t>1.9.0</a:t>
             </a:r>
             <a:endParaRPr lang="en-US" altLang="ja-JP" dirty="0" smtClean="0"/>
           </a:p>
@@ -16879,7 +16875,7 @@
                 <a:ea typeface="ＭＳ ゴシック" panose="020B0609070205080204" pitchFamily="49" charset="-128"/>
                 <a:cs typeface="Consolas" panose="020B0609020204030204" pitchFamily="49" charset="0"/>
               </a:rPr>
-              <a:t>playbook.yml</a:t>
+              <a:t>Playbook.yml</a:t>
             </a:r>
             <a:endParaRPr lang="en-US" altLang="ja-JP" sz="1400" dirty="0">
               <a:solidFill>
@@ -16917,7 +16913,7 @@
                 <a:ea typeface="ＭＳ ゴシック" panose="020B0609070205080204" pitchFamily="49" charset="-128"/>
                 <a:cs typeface="Consolas" panose="020B0609020204030204" pitchFamily="49" charset="0"/>
               </a:rPr>
-              <a:t>child_playbooks</a:t>
+              <a:t>child_Playbooks</a:t>
             </a:r>
             <a:endParaRPr lang="en-US" altLang="ja-JP" sz="1400" dirty="0">
               <a:solidFill>
@@ -18569,7 +18565,7 @@
                           </a:solidFill>
                           <a:latin typeface="+mn-lt"/>
                         </a:rPr>
-                        <a:t>playbook.yml</a:t>
+                        <a:t>Playbook.yml</a:t>
                       </a:r>
                       <a:endParaRPr kumimoji="1" lang="ja-JP" altLang="en-US" sz="1200" b="1" dirty="0">
                         <a:solidFill>
@@ -18762,7 +18758,7 @@
                           </a:solidFill>
                           <a:latin typeface="+mn-lt"/>
                         </a:rPr>
-                        <a:t>child_playbooks</a:t>
+                        <a:t>child_Playbooks</a:t>
                       </a:r>
                       <a:endParaRPr kumimoji="1" lang="ja-JP" altLang="en-US" sz="1200" b="1" dirty="0">
                         <a:solidFill>
@@ -19075,8 +19071,27 @@
                           <a:latin typeface="游ゴシック" panose="020B0400000000000000" pitchFamily="50" charset="-128"/>
                           <a:ea typeface="游ゴシック" panose="020B0400000000000000" pitchFamily="50" charset="-128"/>
                         </a:rPr>
-                        <a:t>Stores all variables unique to every host defined by playbooks</a:t>
+                        <a:t>Stores all variables unique to every host defined by </a:t>
                       </a:r>
+                      <a:r>
+                        <a:rPr lang="en-US" sz="1100" b="0" i="0" u="none" strike="noStrike" dirty="0" smtClean="0">
+                          <a:solidFill>
+                            <a:srgbClr val="000000"/>
+                          </a:solidFill>
+                          <a:effectLst/>
+                          <a:latin typeface="游ゴシック" panose="020B0400000000000000" pitchFamily="50" charset="-128"/>
+                          <a:ea typeface="游ゴシック" panose="020B0400000000000000" pitchFamily="50" charset="-128"/>
+                        </a:rPr>
+                        <a:t>Playbooks</a:t>
+                      </a:r>
+                      <a:endParaRPr lang="en-US" sz="1100" b="0" i="0" u="none" strike="noStrike" dirty="0">
+                        <a:solidFill>
+                          <a:srgbClr val="000000"/>
+                        </a:solidFill>
+                        <a:effectLst/>
+                        <a:latin typeface="游ゴシック" panose="020B0400000000000000" pitchFamily="50" charset="-128"/>
+                        <a:ea typeface="游ゴシック" panose="020B0400000000000000" pitchFamily="50" charset="-128"/>
+                      </a:endParaRPr>
                     </a:p>
                   </a:txBody>
                   <a:tcPr marL="7620" marR="7620" marT="7620" marB="0" anchor="ctr">
@@ -19328,7 +19343,15 @@
             </a:pPr>
             <a:r>
               <a:rPr lang="en-US" altLang="ja-JP" dirty="0"/>
-              <a:t>Manage the playbooks that are going to be included in </a:t>
+              <a:t>Manage the </a:t>
+            </a:r>
+            <a:r>
+              <a:rPr lang="en-US" altLang="ja-JP" dirty="0" smtClean="0"/>
+              <a:t>Playbooks </a:t>
+            </a:r>
+            <a:r>
+              <a:rPr lang="en-US" altLang="ja-JP" dirty="0"/>
+              <a:t>that are going to be included in </a:t>
             </a:r>
             <a:r>
               <a:rPr lang="en-US" altLang="ja-JP" dirty="0" smtClean="0"/>
@@ -25894,7 +25917,25 @@
                 </a:solidFill>
                 <a:latin typeface="+mj-ea"/>
               </a:rPr>
-              <a:t>(Directly executed playbook)</a:t>
+              <a:t>(Directly executed </a:t>
+            </a:r>
+            <a:r>
+              <a:rPr lang="en-US" altLang="ja-JP" sz="1400" b="1" dirty="0" smtClean="0">
+                <a:solidFill>
+                  <a:schemeClr val="bg1"/>
+                </a:solidFill>
+                <a:latin typeface="+mj-ea"/>
+              </a:rPr>
+              <a:t>Playbook</a:t>
+            </a:r>
+            <a:r>
+              <a:rPr lang="en-US" altLang="ja-JP" sz="1400" b="1" dirty="0" smtClean="0">
+                <a:solidFill>
+                  <a:schemeClr val="bg1"/>
+                </a:solidFill>
+                <a:latin typeface="+mj-ea"/>
+              </a:rPr>
+              <a:t>)</a:t>
             </a:r>
             <a:endParaRPr lang="ja-JP" altLang="en-US" sz="1400" b="1" dirty="0">
               <a:solidFill>
@@ -26176,7 +26217,7 @@
           <p:nvPr>
             <p:extLst>
               <p:ext uri="{D42A27DB-BD31-4B8C-83A1-F6EECF244321}">
-                <p14:modId xmlns:p14="http://schemas.microsoft.com/office/powerpoint/2010/main" val="3153877086"/>
+                <p14:modId xmlns:p14="http://schemas.microsoft.com/office/powerpoint/2010/main" val="1994730734"/>
               </p:ext>
             </p:extLst>
           </p:nvPr>
@@ -26873,7 +26914,29 @@
                           <a:latin typeface="游ゴシック" panose="020B0400000000000000" pitchFamily="50" charset="-128"/>
                           <a:ea typeface="游ゴシック" panose="020B0400000000000000" pitchFamily="50" charset="-128"/>
                         </a:rPr>
-                        <a:t>Stores playbooks that defines host-unique variables.</a:t>
+                        <a:t>Stores </a:t>
+                      </a:r>
+                      <a:r>
+                        <a:rPr lang="en-US" sz="1100" b="0" i="0" u="none" strike="noStrike" dirty="0" smtClean="0">
+                          <a:solidFill>
+                            <a:srgbClr val="000000"/>
+                          </a:solidFill>
+                          <a:effectLst/>
+                          <a:latin typeface="游ゴシック" panose="020B0400000000000000" pitchFamily="50" charset="-128"/>
+                          <a:ea typeface="游ゴシック" panose="020B0400000000000000" pitchFamily="50" charset="-128"/>
+                        </a:rPr>
+                        <a:t>Playbooks </a:t>
+                      </a:r>
+                      <a:r>
+                        <a:rPr lang="en-US" sz="1100" b="0" i="0" u="none" strike="noStrike" dirty="0">
+                          <a:solidFill>
+                            <a:srgbClr val="000000"/>
+                          </a:solidFill>
+                          <a:effectLst/>
+                          <a:latin typeface="游ゴシック" panose="020B0400000000000000" pitchFamily="50" charset="-128"/>
+                          <a:ea typeface="游ゴシック" panose="020B0400000000000000" pitchFamily="50" charset="-128"/>
+                        </a:rPr>
+                        <a:t>that defines host-unique variables.</a:t>
                       </a:r>
                     </a:p>
                   </a:txBody>
@@ -27110,7 +27173,29 @@
                           <a:latin typeface="游ゴシック" panose="020B0400000000000000" pitchFamily="50" charset="-128"/>
                           <a:ea typeface="游ゴシック" panose="020B0400000000000000" pitchFamily="50" charset="-128"/>
                         </a:rPr>
-                        <a:t>Stores Roles that executes playbooks.</a:t>
+                        <a:t>Stores Roles that executes </a:t>
+                      </a:r>
+                      <a:r>
+                        <a:rPr lang="en-US" sz="1100" b="0" i="0" u="none" strike="noStrike" dirty="0" smtClean="0">
+                          <a:solidFill>
+                            <a:srgbClr val="000000"/>
+                          </a:solidFill>
+                          <a:effectLst/>
+                          <a:latin typeface="游ゴシック" panose="020B0400000000000000" pitchFamily="50" charset="-128"/>
+                          <a:ea typeface="游ゴシック" panose="020B0400000000000000" pitchFamily="50" charset="-128"/>
+                        </a:rPr>
+                        <a:t>Playbooks</a:t>
+                      </a:r>
+                      <a:r>
+                        <a:rPr lang="en-US" sz="1100" b="0" i="0" u="none" strike="noStrike" dirty="0">
+                          <a:solidFill>
+                            <a:srgbClr val="000000"/>
+                          </a:solidFill>
+                          <a:effectLst/>
+                          <a:latin typeface="游ゴシック" panose="020B0400000000000000" pitchFamily="50" charset="-128"/>
+                          <a:ea typeface="游ゴシック" panose="020B0400000000000000" pitchFamily="50" charset="-128"/>
+                        </a:rPr>
+                        <a:t>.</a:t>
                       </a:r>
                     </a:p>
                   </a:txBody>
@@ -27727,7 +27812,29 @@
                           <a:latin typeface="游ゴシック" panose="020B0400000000000000" pitchFamily="50" charset="-128"/>
                           <a:ea typeface="游ゴシック" panose="020B0400000000000000" pitchFamily="50" charset="-128"/>
                         </a:rPr>
-                        <a:t>Lists the parameters of the variant part of playbooks.</a:t>
+                        <a:t>Lists the parameters of the variant part of </a:t>
+                      </a:r>
+                      <a:r>
+                        <a:rPr lang="en-US" sz="1100" b="0" i="0" u="none" strike="noStrike" dirty="0" smtClean="0">
+                          <a:solidFill>
+                            <a:srgbClr val="000000"/>
+                          </a:solidFill>
+                          <a:effectLst/>
+                          <a:latin typeface="游ゴシック" panose="020B0400000000000000" pitchFamily="50" charset="-128"/>
+                          <a:ea typeface="游ゴシック" panose="020B0400000000000000" pitchFamily="50" charset="-128"/>
+                        </a:rPr>
+                        <a:t>Playbooks</a:t>
+                      </a:r>
+                      <a:r>
+                        <a:rPr lang="en-US" sz="1100" b="0" i="0" u="none" strike="noStrike" dirty="0">
+                          <a:solidFill>
+                            <a:srgbClr val="000000"/>
+                          </a:solidFill>
+                          <a:effectLst/>
+                          <a:latin typeface="游ゴシック" panose="020B0400000000000000" pitchFamily="50" charset="-128"/>
+                          <a:ea typeface="游ゴシック" panose="020B0400000000000000" pitchFamily="50" charset="-128"/>
+                        </a:rPr>
+                        <a:t>.</a:t>
                       </a:r>
                     </a:p>
                   </a:txBody>
@@ -28385,7 +28492,29 @@
                           <a:latin typeface="游ゴシック" panose="020B0400000000000000" pitchFamily="50" charset="-128"/>
                           <a:ea typeface="游ゴシック" panose="020B0400000000000000" pitchFamily="50" charset="-128"/>
                         </a:rPr>
-                        <a:t>The text file used for the playbook getting executed</a:t>
+                        <a:t>The text file used for the </a:t>
+                      </a:r>
+                      <a:r>
+                        <a:rPr lang="en-US" sz="1100" b="0" i="0" u="none" strike="noStrike" dirty="0" smtClean="0">
+                          <a:solidFill>
+                            <a:srgbClr val="000000"/>
+                          </a:solidFill>
+                          <a:effectLst/>
+                          <a:latin typeface="游ゴシック" panose="020B0400000000000000" pitchFamily="50" charset="-128"/>
+                          <a:ea typeface="游ゴシック" panose="020B0400000000000000" pitchFamily="50" charset="-128"/>
+                        </a:rPr>
+                        <a:t>Playbook </a:t>
+                      </a:r>
+                      <a:r>
+                        <a:rPr lang="en-US" sz="1100" b="0" i="0" u="none" strike="noStrike" dirty="0">
+                          <a:solidFill>
+                            <a:srgbClr val="000000"/>
+                          </a:solidFill>
+                          <a:effectLst/>
+                          <a:latin typeface="游ゴシック" panose="020B0400000000000000" pitchFamily="50" charset="-128"/>
+                          <a:ea typeface="游ゴシック" panose="020B0400000000000000" pitchFamily="50" charset="-128"/>
+                        </a:rPr>
+                        <a:t>getting executed</a:t>
                       </a:r>
                     </a:p>
                   </a:txBody>
@@ -30092,7 +30221,25 @@
                 </a:solidFill>
                 <a:latin typeface="+mj-ea"/>
               </a:rPr>
-              <a:t>The playbook is </a:t>
+              <a:t>The </a:t>
+            </a:r>
+            <a:r>
+              <a:rPr lang="en-US" altLang="ja-JP" sz="1400" b="1" dirty="0" smtClean="0">
+                <a:solidFill>
+                  <a:schemeClr val="bg1"/>
+                </a:solidFill>
+                <a:latin typeface="+mj-ea"/>
+              </a:rPr>
+              <a:t>Playbook </a:t>
+            </a:r>
+            <a:r>
+              <a:rPr lang="en-US" altLang="ja-JP" sz="1400" b="1" dirty="0" smtClean="0">
+                <a:solidFill>
+                  <a:schemeClr val="bg1"/>
+                </a:solidFill>
+                <a:latin typeface="+mj-ea"/>
+              </a:rPr>
+              <a:t>is </a:t>
             </a:r>
             <a:br>
               <a:rPr lang="en-US" altLang="ja-JP" sz="1400" b="1" dirty="0" smtClean="0">
@@ -36411,7 +36558,7 @@
       </p:grpSpPr>
       <p:pic>
         <p:nvPicPr>
-          <p:cNvPr id="7" name="図 6"/>
+          <p:cNvPr id="4" name="図 3"/>
           <p:cNvPicPr>
             <a:picLocks noChangeAspect="1"/>
           </p:cNvPicPr>
@@ -36425,8 +36572,8 @@
         </p:blipFill>
         <p:spPr>
           <a:xfrm>
-            <a:off x="539441" y="2249558"/>
-            <a:ext cx="8150462" cy="3839509"/>
+            <a:off x="179267" y="2204830"/>
+            <a:ext cx="8662533" cy="4204938"/>
           </a:xfrm>
           <a:prstGeom prst="rect">
             <a:avLst/>
@@ -36512,7 +36659,15 @@
             </a:r>
             <a:r>
               <a:rPr lang="en-US" altLang="ja-JP" dirty="0" smtClean="0"/>
-              <a:t>and concept </a:t>
+              <a:t>and </a:t>
+            </a:r>
+            <a:r>
+              <a:rPr lang="en-US" altLang="ja-JP" dirty="0" smtClean="0"/>
+              <a:t>overview</a:t>
+            </a:r>
+            <a:r>
+              <a:rPr lang="en-US" altLang="ja-JP" dirty="0" smtClean="0"/>
+              <a:t> </a:t>
             </a:r>
             <a:r>
               <a:rPr lang="en-US" altLang="ja-JP" dirty="0"/>
@@ -36740,8 +36895,8 @@
         </p:nvSpPr>
         <p:spPr bwMode="auto">
           <a:xfrm>
-            <a:off x="3137024" y="3751394"/>
-            <a:ext cx="1712968" cy="657501"/>
+            <a:off x="1088696" y="4573071"/>
+            <a:ext cx="1854274" cy="800199"/>
           </a:xfrm>
           <a:prstGeom prst="rect">
             <a:avLst/>
@@ -36779,8 +36934,8 @@
         </p:nvSpPr>
         <p:spPr bwMode="auto">
           <a:xfrm>
-            <a:off x="2555721" y="3751394"/>
-            <a:ext cx="581304" cy="657501"/>
+            <a:off x="4139940" y="3789050"/>
+            <a:ext cx="648090" cy="784021"/>
           </a:xfrm>
           <a:prstGeom prst="rect">
             <a:avLst/>
@@ -36821,13 +36976,13 @@
         </p:nvSpPr>
         <p:spPr bwMode="auto">
           <a:xfrm>
-            <a:off x="2662193" y="5066929"/>
+            <a:off x="1182156" y="5654863"/>
             <a:ext cx="2938130" cy="720100"/>
           </a:xfrm>
           <a:prstGeom prst="wedgeRoundRectCallout">
             <a:avLst>
-              <a:gd name="adj1" fmla="val -11868"/>
-              <a:gd name="adj2" fmla="val -131822"/>
+              <a:gd name="adj1" fmla="val -23751"/>
+              <a:gd name="adj2" fmla="val -82183"/>
               <a:gd name="adj3" fmla="val 16667"/>
             </a:avLst>
           </a:prstGeom>
@@ -36884,13 +37039,13 @@
         </p:nvSpPr>
         <p:spPr bwMode="auto">
           <a:xfrm>
-            <a:off x="56376" y="3751394"/>
-            <a:ext cx="2369788" cy="2831568"/>
+            <a:off x="5123174" y="3543395"/>
+            <a:ext cx="2545255" cy="2831568"/>
           </a:xfrm>
           <a:prstGeom prst="wedgeRoundRectCallout">
             <a:avLst>
-              <a:gd name="adj1" fmla="val 55689"/>
-              <a:gd name="adj2" fmla="val -31649"/>
+              <a:gd name="adj1" fmla="val -60383"/>
+              <a:gd name="adj2" fmla="val -28714"/>
               <a:gd name="adj3" fmla="val 16667"/>
             </a:avLst>
           </a:prstGeom>
@@ -36917,7 +37072,6 @@
           </a:bodyPr>
           <a:lstStyle/>
           <a:p>
-            <a:pPr algn="ctr"/>
             <a:r>
               <a:rPr lang="en-US" altLang="ja-JP" sz="1100" dirty="0"/>
               <a:t>The "Ansible Common" menu group manages menus used by the other Ansible menu groups. The menus are as following. </a:t>

--- a/asset/Learn/ITA-Ansible-Driver_en.pptx
+++ b/asset/Learn/ITA-Ansible-Driver_en.pptx
@@ -320,7 +320,7 @@
               <a:rPr kumimoji="1" lang="ja-JP" altLang="en-US" smtClean="0">
                 <a:ea typeface="メイリオ" panose="020B0604030504040204" pitchFamily="50" charset="-128"/>
               </a:rPr>
-              <a:t>2022/1/25</a:t>
+              <a:t>2022/7/12</a:t>
             </a:fld>
             <a:endParaRPr kumimoji="1" lang="ja-JP" altLang="en-US" dirty="0">
               <a:ea typeface="メイリオ" panose="020B0604030504040204" pitchFamily="50" charset="-128"/>
@@ -466,7 +466,7 @@
             <a:fld id="{4B26993D-C081-44EB-B0F5-A9F467792B62}" type="datetimeFigureOut">
               <a:rPr lang="ja-JP" altLang="en-US" smtClean="0"/>
               <a:pPr/>
-              <a:t>2022/1/25</a:t>
+              <a:t>2022/7/12</a:t>
             </a:fld>
             <a:endParaRPr lang="ja-JP" altLang="en-US" dirty="0"/>
           </a:p>
@@ -1089,7 +1089,7 @@
           <a:p>
             <a:fld id="{56F9016B-CCA6-43BE-8BEE-59565A35F4F7}" type="datetimeFigureOut">
               <a:rPr kumimoji="1" lang="ja-JP" altLang="en-US" smtClean="0"/>
-              <a:t>2022/1/25</a:t>
+              <a:t>2022/7/12</a:t>
             </a:fld>
             <a:endParaRPr kumimoji="1" lang="ja-JP" altLang="en-US"/>
           </a:p>
@@ -1291,7 +1291,7 @@
           <a:p>
             <a:fld id="{56F9016B-CCA6-43BE-8BEE-59565A35F4F7}" type="datetimeFigureOut">
               <a:rPr kumimoji="1" lang="ja-JP" altLang="en-US" smtClean="0"/>
-              <a:t>2022/1/25</a:t>
+              <a:t>2022/7/12</a:t>
             </a:fld>
             <a:endParaRPr kumimoji="1" lang="ja-JP" altLang="en-US"/>
           </a:p>
@@ -1537,7 +1537,7 @@
           <a:p>
             <a:fld id="{56F9016B-CCA6-43BE-8BEE-59565A35F4F7}" type="datetimeFigureOut">
               <a:rPr kumimoji="1" lang="ja-JP" altLang="en-US" smtClean="0"/>
-              <a:t>2022/1/25</a:t>
+              <a:t>2022/7/12</a:t>
             </a:fld>
             <a:endParaRPr kumimoji="1" lang="ja-JP" altLang="en-US"/>
           </a:p>
@@ -1833,7 +1833,7 @@
           <a:p>
             <a:fld id="{56F9016B-CCA6-43BE-8BEE-59565A35F4F7}" type="datetimeFigureOut">
               <a:rPr kumimoji="1" lang="ja-JP" altLang="en-US" smtClean="0"/>
-              <a:t>2022/1/25</a:t>
+              <a:t>2022/7/12</a:t>
             </a:fld>
             <a:endParaRPr kumimoji="1" lang="ja-JP" altLang="en-US"/>
           </a:p>
@@ -2264,7 +2264,7 @@
           <a:p>
             <a:fld id="{56F9016B-CCA6-43BE-8BEE-59565A35F4F7}" type="datetimeFigureOut">
               <a:rPr kumimoji="1" lang="ja-JP" altLang="en-US" smtClean="0"/>
-              <a:t>2022/1/25</a:t>
+              <a:t>2022/7/12</a:t>
             </a:fld>
             <a:endParaRPr kumimoji="1" lang="ja-JP" altLang="en-US"/>
           </a:p>
@@ -2382,7 +2382,7 @@
           <a:p>
             <a:fld id="{56F9016B-CCA6-43BE-8BEE-59565A35F4F7}" type="datetimeFigureOut">
               <a:rPr kumimoji="1" lang="ja-JP" altLang="en-US" smtClean="0"/>
-              <a:t>2022/1/25</a:t>
+              <a:t>2022/7/12</a:t>
             </a:fld>
             <a:endParaRPr kumimoji="1" lang="ja-JP" altLang="en-US"/>
           </a:p>
@@ -2477,7 +2477,7 @@
           <a:p>
             <a:fld id="{56F9016B-CCA6-43BE-8BEE-59565A35F4F7}" type="datetimeFigureOut">
               <a:rPr kumimoji="1" lang="ja-JP" altLang="en-US" smtClean="0"/>
-              <a:t>2022/1/25</a:t>
+              <a:t>2022/7/12</a:t>
             </a:fld>
             <a:endParaRPr kumimoji="1" lang="ja-JP" altLang="en-US"/>
           </a:p>
@@ -2786,7 +2786,7 @@
           <a:p>
             <a:fld id="{56F9016B-CCA6-43BE-8BEE-59565A35F4F7}" type="datetimeFigureOut">
               <a:rPr kumimoji="1" lang="ja-JP" altLang="en-US" smtClean="0"/>
-              <a:t>2022/1/25</a:t>
+              <a:t>2022/7/12</a:t>
             </a:fld>
             <a:endParaRPr kumimoji="1" lang="ja-JP" altLang="en-US"/>
           </a:p>
@@ -3039,7 +3039,7 @@
           <a:p>
             <a:fld id="{56F9016B-CCA6-43BE-8BEE-59565A35F4F7}" type="datetimeFigureOut">
               <a:rPr kumimoji="1" lang="ja-JP" altLang="en-US" smtClean="0"/>
-              <a:t>2022/1/25</a:t>
+              <a:t>2022/7/12</a:t>
             </a:fld>
             <a:endParaRPr kumimoji="1" lang="ja-JP" altLang="en-US"/>
           </a:p>
@@ -3316,7 +3316,7 @@
           <a:p>
             <a:fld id="{56F9016B-CCA6-43BE-8BEE-59565A35F4F7}" type="datetimeFigureOut">
               <a:rPr kumimoji="1" lang="ja-JP" altLang="en-US" smtClean="0"/>
-              <a:t>2022/1/25</a:t>
+              <a:t>2022/7/12</a:t>
             </a:fld>
             <a:endParaRPr kumimoji="1" lang="ja-JP" altLang="en-US"/>
           </a:p>
@@ -3528,7 +3528,7 @@
           <a:p>
             <a:fld id="{56F9016B-CCA6-43BE-8BEE-59565A35F4F7}" type="datetimeFigureOut">
               <a:rPr kumimoji="1" lang="ja-JP" altLang="en-US" smtClean="0"/>
-              <a:t>2022/1/25</a:t>
+              <a:t>2022/7/12</a:t>
             </a:fld>
             <a:endParaRPr kumimoji="1" lang="ja-JP" altLang="en-US"/>
           </a:p>
@@ -6587,7 +6587,7 @@
           <a:p>
             <a:fld id="{56F9016B-CCA6-43BE-8BEE-59565A35F4F7}" type="datetimeFigureOut">
               <a:rPr kumimoji="1" lang="ja-JP" altLang="en-US" smtClean="0"/>
-              <a:t>2022/1/25</a:t>
+              <a:t>2022/7/12</a:t>
             </a:fld>
             <a:endParaRPr kumimoji="1" lang="ja-JP" altLang="en-US"/>
           </a:p>
@@ -7025,7 +7025,7 @@
             </a:r>
             <a:r>
               <a:rPr lang="en-US" altLang="ja-JP" dirty="0" smtClean="0"/>
-              <a:t>1.9.0</a:t>
+              <a:t>1.10</a:t>
             </a:r>
             <a:endParaRPr lang="en-US" altLang="ja-JP" dirty="0" smtClean="0"/>
           </a:p>
@@ -12388,36 +12388,6 @@
       </p:sp>
       <p:sp>
         <p:nvSpPr>
-          <p:cNvPr id="55" name="正方形/長方形 54"/>
-          <p:cNvSpPr/>
-          <p:nvPr/>
-        </p:nvSpPr>
-        <p:spPr bwMode="gray">
-          <a:xfrm>
-            <a:off x="7743276" y="3401094"/>
-            <a:ext cx="184731" cy="307777"/>
-          </a:xfrm>
-          <a:prstGeom prst="rect">
-            <a:avLst/>
-          </a:prstGeom>
-          <a:ln w="28575">
-            <a:solidFill>
-              <a:schemeClr val="tx1"/>
-            </a:solidFill>
-          </a:ln>
-        </p:spPr>
-        <p:txBody>
-          <a:bodyPr wrap="none">
-            <a:spAutoFit/>
-          </a:bodyPr>
-          <a:lstStyle/>
-          <a:p>
-            <a:endParaRPr lang="ja-JP" altLang="en-US" sz="1400" dirty="0"/>
-          </a:p>
-        </p:txBody>
-      </p:sp>
-      <p:sp>
-        <p:nvSpPr>
           <p:cNvPr id="57" name="四角形吹き出し 56"/>
           <p:cNvSpPr/>
           <p:nvPr/>
@@ -12560,7 +12530,15 @@
                   <a:schemeClr val="bg1"/>
                 </a:solidFill>
               </a:rPr>
-              <a:t>them to Playbook </a:t>
+              <a:t>them to </a:t>
+            </a:r>
+            <a:r>
+              <a:rPr lang="en-US" altLang="ja-JP" sz="1000" b="1" dirty="0" smtClean="0">
+                <a:solidFill>
+                  <a:schemeClr val="bg1"/>
+                </a:solidFill>
+              </a:rPr>
+              <a:t>the Playbook </a:t>
             </a:r>
             <a:endParaRPr lang="ja-JP" altLang="en-US" sz="1000" b="1" dirty="0">
               <a:solidFill>
@@ -12608,6 +12586,48 @@
               </a:rPr>
               <a:t>A</a:t>
             </a:r>
+          </a:p>
+        </p:txBody>
+      </p:sp>
+      <p:sp>
+        <p:nvSpPr>
+          <p:cNvPr id="34" name="正方形/長方形 33"/>
+          <p:cNvSpPr/>
+          <p:nvPr/>
+        </p:nvSpPr>
+        <p:spPr bwMode="gray">
+          <a:xfrm>
+            <a:off x="7777560" y="3384719"/>
+            <a:ext cx="1331070" cy="276999"/>
+          </a:xfrm>
+          <a:prstGeom prst="rect">
+            <a:avLst/>
+          </a:prstGeom>
+          <a:ln w="28575">
+            <a:solidFill>
+              <a:schemeClr val="tx1"/>
+            </a:solidFill>
+          </a:ln>
+        </p:spPr>
+        <p:txBody>
+          <a:bodyPr wrap="none">
+            <a:spAutoFit/>
+          </a:bodyPr>
+          <a:lstStyle/>
+          <a:p>
+            <a:r>
+              <a:rPr lang="en-US" altLang="ja-JP" sz="1200" dirty="0" err="1" smtClean="0">
+                <a:latin typeface="+mj-ea"/>
+              </a:rPr>
+              <a:t>Substitue</a:t>
+            </a:r>
+            <a:r>
+              <a:rPr lang="en-US" altLang="ja-JP" sz="1200" dirty="0" smtClean="0">
+                <a:latin typeface="+mj-ea"/>
+              </a:rPr>
+              <a:t> value</a:t>
+            </a:r>
+            <a:endParaRPr lang="ja-JP" altLang="en-US" sz="1200" dirty="0"/>
           </a:p>
         </p:txBody>
       </p:sp>
@@ -16875,7 +16895,7 @@
                 <a:ea typeface="ＭＳ ゴシック" panose="020B0609070205080204" pitchFamily="49" charset="-128"/>
                 <a:cs typeface="Consolas" panose="020B0609020204030204" pitchFamily="49" charset="0"/>
               </a:rPr>
-              <a:t>Playbook.yml</a:t>
+              <a:t>playbook.yml</a:t>
             </a:r>
             <a:endParaRPr lang="en-US" altLang="ja-JP" sz="1400" dirty="0">
               <a:solidFill>
@@ -16913,7 +16933,7 @@
                 <a:ea typeface="ＭＳ ゴシック" panose="020B0609070205080204" pitchFamily="49" charset="-128"/>
                 <a:cs typeface="Consolas" panose="020B0609020204030204" pitchFamily="49" charset="0"/>
               </a:rPr>
-              <a:t>child_Playbooks</a:t>
+              <a:t>child_playbooks</a:t>
             </a:r>
             <a:endParaRPr lang="en-US" altLang="ja-JP" sz="1400" dirty="0">
               <a:solidFill>
@@ -18565,7 +18585,7 @@
                           </a:solidFill>
                           <a:latin typeface="+mn-lt"/>
                         </a:rPr>
-                        <a:t>Playbook.yml</a:t>
+                        <a:t>playbook.yml</a:t>
                       </a:r>
                       <a:endParaRPr kumimoji="1" lang="ja-JP" altLang="en-US" sz="1200" b="1" dirty="0">
                         <a:solidFill>
@@ -18758,7 +18778,7 @@
                           </a:solidFill>
                           <a:latin typeface="+mn-lt"/>
                         </a:rPr>
-                        <a:t>child_Playbooks</a:t>
+                        <a:t>child_playbooks</a:t>
                       </a:r>
                       <a:endParaRPr kumimoji="1" lang="ja-JP" altLang="en-US" sz="1200" b="1" dirty="0">
                         <a:solidFill>
@@ -19071,27 +19091,8 @@
                           <a:latin typeface="游ゴシック" panose="020B0400000000000000" pitchFamily="50" charset="-128"/>
                           <a:ea typeface="游ゴシック" panose="020B0400000000000000" pitchFamily="50" charset="-128"/>
                         </a:rPr>
-                        <a:t>Stores all variables unique to every host defined by </a:t>
+                        <a:t>Stores all variables unique to every host defined by playbooks</a:t>
                       </a:r>
-                      <a:r>
-                        <a:rPr lang="en-US" sz="1100" b="0" i="0" u="none" strike="noStrike" dirty="0" smtClean="0">
-                          <a:solidFill>
-                            <a:srgbClr val="000000"/>
-                          </a:solidFill>
-                          <a:effectLst/>
-                          <a:latin typeface="游ゴシック" panose="020B0400000000000000" pitchFamily="50" charset="-128"/>
-                          <a:ea typeface="游ゴシック" panose="020B0400000000000000" pitchFamily="50" charset="-128"/>
-                        </a:rPr>
-                        <a:t>Playbooks</a:t>
-                      </a:r>
-                      <a:endParaRPr lang="en-US" sz="1100" b="0" i="0" u="none" strike="noStrike" dirty="0">
-                        <a:solidFill>
-                          <a:srgbClr val="000000"/>
-                        </a:solidFill>
-                        <a:effectLst/>
-                        <a:latin typeface="游ゴシック" panose="020B0400000000000000" pitchFamily="50" charset="-128"/>
-                        <a:ea typeface="游ゴシック" panose="020B0400000000000000" pitchFamily="50" charset="-128"/>
-                      </a:endParaRPr>
                     </a:p>
                   </a:txBody>
                   <a:tcPr marL="7620" marR="7620" marT="7620" marB="0" anchor="ctr">
@@ -19343,15 +19344,7 @@
             </a:pPr>
             <a:r>
               <a:rPr lang="en-US" altLang="ja-JP" dirty="0"/>
-              <a:t>Manage the </a:t>
-            </a:r>
-            <a:r>
-              <a:rPr lang="en-US" altLang="ja-JP" dirty="0" smtClean="0"/>
-              <a:t>Playbooks </a:t>
-            </a:r>
-            <a:r>
-              <a:rPr lang="en-US" altLang="ja-JP" dirty="0"/>
-              <a:t>that are going to be included in </a:t>
+              <a:t>Manage the playbooks that are going to be included in </a:t>
             </a:r>
             <a:r>
               <a:rPr lang="en-US" altLang="ja-JP" dirty="0" smtClean="0"/>
@@ -25917,25 +25910,7 @@
                 </a:solidFill>
                 <a:latin typeface="+mj-ea"/>
               </a:rPr>
-              <a:t>(Directly executed </a:t>
-            </a:r>
-            <a:r>
-              <a:rPr lang="en-US" altLang="ja-JP" sz="1400" b="1" dirty="0" smtClean="0">
-                <a:solidFill>
-                  <a:schemeClr val="bg1"/>
-                </a:solidFill>
-                <a:latin typeface="+mj-ea"/>
-              </a:rPr>
-              <a:t>Playbook</a:t>
-            </a:r>
-            <a:r>
-              <a:rPr lang="en-US" altLang="ja-JP" sz="1400" b="1" dirty="0" smtClean="0">
-                <a:solidFill>
-                  <a:schemeClr val="bg1"/>
-                </a:solidFill>
-                <a:latin typeface="+mj-ea"/>
-              </a:rPr>
-              <a:t>)</a:t>
+              <a:t>(Directly executed playbook)</a:t>
             </a:r>
             <a:endParaRPr lang="ja-JP" altLang="en-US" sz="1400" b="1" dirty="0">
               <a:solidFill>
@@ -26217,7 +26192,7 @@
           <p:nvPr>
             <p:extLst>
               <p:ext uri="{D42A27DB-BD31-4B8C-83A1-F6EECF244321}">
-                <p14:modId xmlns:p14="http://schemas.microsoft.com/office/powerpoint/2010/main" val="1994730734"/>
+                <p14:modId xmlns:p14="http://schemas.microsoft.com/office/powerpoint/2010/main" val="2173136042"/>
               </p:ext>
             </p:extLst>
           </p:nvPr>
@@ -26437,8 +26412,9 @@
                             <a:srgbClr val="000000"/>
                           </a:solidFill>
                           <a:effectLst/>
-                          <a:latin typeface="游ゴシック" panose="020B0400000000000000" pitchFamily="50" charset="-128"/>
+                          <a:latin typeface="Arial" panose="020B0604020202020204" pitchFamily="34" charset="0"/>
                           <a:ea typeface="游ゴシック" panose="020B0400000000000000" pitchFamily="50" charset="-128"/>
+                          <a:cs typeface="Arial" panose="020B0604020202020204" pitchFamily="34" charset="0"/>
                         </a:rPr>
                         <a:t>Operation target host list(created by ITA)</a:t>
                       </a:r>
@@ -26674,8 +26650,9 @@
                             <a:srgbClr val="000000"/>
                           </a:solidFill>
                           <a:effectLst/>
-                          <a:latin typeface="游ゴシック" panose="020B0400000000000000" pitchFamily="50" charset="-128"/>
+                          <a:latin typeface="Arial" panose="020B0604020202020204" pitchFamily="34" charset="0"/>
                           <a:ea typeface="游ゴシック" panose="020B0400000000000000" pitchFamily="50" charset="-128"/>
+                          <a:cs typeface="Arial" panose="020B0604020202020204" pitchFamily="34" charset="0"/>
                         </a:rPr>
                         <a:t>Directly executed Playbook (created by ITA)</a:t>
                       </a:r>
@@ -26911,32 +26888,11 @@
                             <a:srgbClr val="000000"/>
                           </a:solidFill>
                           <a:effectLst/>
-                          <a:latin typeface="游ゴシック" panose="020B0400000000000000" pitchFamily="50" charset="-128"/>
+                          <a:latin typeface="Arial" panose="020B0604020202020204" pitchFamily="34" charset="0"/>
                           <a:ea typeface="游ゴシック" panose="020B0400000000000000" pitchFamily="50" charset="-128"/>
+                          <a:cs typeface="Arial" panose="020B0604020202020204" pitchFamily="34" charset="0"/>
                         </a:rPr>
-                        <a:t>Stores </a:t>
-                      </a:r>
-                      <a:r>
-                        <a:rPr lang="en-US" sz="1100" b="0" i="0" u="none" strike="noStrike" dirty="0" smtClean="0">
-                          <a:solidFill>
-                            <a:srgbClr val="000000"/>
-                          </a:solidFill>
-                          <a:effectLst/>
-                          <a:latin typeface="游ゴシック" panose="020B0400000000000000" pitchFamily="50" charset="-128"/>
-                          <a:ea typeface="游ゴシック" panose="020B0400000000000000" pitchFamily="50" charset="-128"/>
-                        </a:rPr>
-                        <a:t>Playbooks </a:t>
-                      </a:r>
-                      <a:r>
-                        <a:rPr lang="en-US" sz="1100" b="0" i="0" u="none" strike="noStrike" dirty="0">
-                          <a:solidFill>
-                            <a:srgbClr val="000000"/>
-                          </a:solidFill>
-                          <a:effectLst/>
-                          <a:latin typeface="游ゴシック" panose="020B0400000000000000" pitchFamily="50" charset="-128"/>
-                          <a:ea typeface="游ゴシック" panose="020B0400000000000000" pitchFamily="50" charset="-128"/>
-                        </a:rPr>
-                        <a:t>that defines host-unique variables.</a:t>
+                        <a:t>Stores playbooks that defines host-unique variables.</a:t>
                       </a:r>
                     </a:p>
                   </a:txBody>
@@ -27170,32 +27126,11 @@
                             <a:srgbClr val="000000"/>
                           </a:solidFill>
                           <a:effectLst/>
-                          <a:latin typeface="游ゴシック" panose="020B0400000000000000" pitchFamily="50" charset="-128"/>
+                          <a:latin typeface="Arial" panose="020B0604020202020204" pitchFamily="34" charset="0"/>
                           <a:ea typeface="游ゴシック" panose="020B0400000000000000" pitchFamily="50" charset="-128"/>
+                          <a:cs typeface="Arial" panose="020B0604020202020204" pitchFamily="34" charset="0"/>
                         </a:rPr>
-                        <a:t>Stores Roles that executes </a:t>
-                      </a:r>
-                      <a:r>
-                        <a:rPr lang="en-US" sz="1100" b="0" i="0" u="none" strike="noStrike" dirty="0" smtClean="0">
-                          <a:solidFill>
-                            <a:srgbClr val="000000"/>
-                          </a:solidFill>
-                          <a:effectLst/>
-                          <a:latin typeface="游ゴシック" panose="020B0400000000000000" pitchFamily="50" charset="-128"/>
-                          <a:ea typeface="游ゴシック" panose="020B0400000000000000" pitchFamily="50" charset="-128"/>
-                        </a:rPr>
-                        <a:t>Playbooks</a:t>
-                      </a:r>
-                      <a:r>
-                        <a:rPr lang="en-US" sz="1100" b="0" i="0" u="none" strike="noStrike" dirty="0">
-                          <a:solidFill>
-                            <a:srgbClr val="000000"/>
-                          </a:solidFill>
-                          <a:effectLst/>
-                          <a:latin typeface="游ゴシック" panose="020B0400000000000000" pitchFamily="50" charset="-128"/>
-                          <a:ea typeface="游ゴシック" panose="020B0400000000000000" pitchFamily="50" charset="-128"/>
-                        </a:rPr>
-                        <a:t>.</a:t>
+                        <a:t>Stores Roles that executes playbooks.</a:t>
                       </a:r>
                     </a:p>
                   </a:txBody>
@@ -27311,7 +27246,8 @@
                           <a:solidFill>
                             <a:schemeClr val="tx1"/>
                           </a:solidFill>
-                          <a:latin typeface="+mn-lt"/>
+                          <a:latin typeface="Arial" panose="020B0604020202020204" pitchFamily="34" charset="0"/>
+                          <a:cs typeface="Arial" panose="020B0604020202020204" pitchFamily="34" charset="0"/>
                         </a:rPr>
                         <a:t>⇒</a:t>
                       </a:r>
@@ -27320,7 +27256,8 @@
                           <a:solidFill>
                             <a:schemeClr val="tx1"/>
                           </a:solidFill>
-                          <a:latin typeface="+mn-lt"/>
+                          <a:latin typeface="Arial" panose="020B0604020202020204" pitchFamily="34" charset="0"/>
+                          <a:cs typeface="Arial" panose="020B0604020202020204" pitchFamily="34" charset="0"/>
                         </a:rPr>
                         <a:t>Under</a:t>
                       </a:r>
@@ -27329,7 +27266,8 @@
                           <a:solidFill>
                             <a:schemeClr val="tx1"/>
                           </a:solidFill>
-                          <a:latin typeface="+mn-lt"/>
+                          <a:latin typeface="Arial" panose="020B0604020202020204" pitchFamily="34" charset="0"/>
+                          <a:cs typeface="Arial" panose="020B0604020202020204" pitchFamily="34" charset="0"/>
                         </a:rPr>
                         <a:t> each role</a:t>
                       </a:r>
@@ -27337,7 +27275,8 @@
                         <a:solidFill>
                           <a:schemeClr val="tx1"/>
                         </a:solidFill>
-                        <a:latin typeface="+mn-lt"/>
+                        <a:latin typeface="Arial" panose="020B0604020202020204" pitchFamily="34" charset="0"/>
+                        <a:cs typeface="Arial" panose="020B0604020202020204" pitchFamily="34" charset="0"/>
                       </a:endParaRPr>
                     </a:p>
                   </a:txBody>
@@ -27809,32 +27748,11 @@
                             <a:srgbClr val="000000"/>
                           </a:solidFill>
                           <a:effectLst/>
-                          <a:latin typeface="游ゴシック" panose="020B0400000000000000" pitchFamily="50" charset="-128"/>
+                          <a:latin typeface="Arial" panose="020B0604020202020204" pitchFamily="34" charset="0"/>
                           <a:ea typeface="游ゴシック" panose="020B0400000000000000" pitchFamily="50" charset="-128"/>
+                          <a:cs typeface="Arial" panose="020B0604020202020204" pitchFamily="34" charset="0"/>
                         </a:rPr>
-                        <a:t>Lists the parameters of the variant part of </a:t>
-                      </a:r>
-                      <a:r>
-                        <a:rPr lang="en-US" sz="1100" b="0" i="0" u="none" strike="noStrike" dirty="0" smtClean="0">
-                          <a:solidFill>
-                            <a:srgbClr val="000000"/>
-                          </a:solidFill>
-                          <a:effectLst/>
-                          <a:latin typeface="游ゴシック" panose="020B0400000000000000" pitchFamily="50" charset="-128"/>
-                          <a:ea typeface="游ゴシック" panose="020B0400000000000000" pitchFamily="50" charset="-128"/>
-                        </a:rPr>
-                        <a:t>Playbooks</a:t>
-                      </a:r>
-                      <a:r>
-                        <a:rPr lang="en-US" sz="1100" b="0" i="0" u="none" strike="noStrike" dirty="0">
-                          <a:solidFill>
-                            <a:srgbClr val="000000"/>
-                          </a:solidFill>
-                          <a:effectLst/>
-                          <a:latin typeface="游ゴシック" panose="020B0400000000000000" pitchFamily="50" charset="-128"/>
-                          <a:ea typeface="游ゴシック" panose="020B0400000000000000" pitchFamily="50" charset="-128"/>
-                        </a:rPr>
-                        <a:t>.</a:t>
+                        <a:t>Lists the parameters of the variant part of playbooks.</a:t>
                       </a:r>
                     </a:p>
                   </a:txBody>
@@ -28156,8 +28074,9 @@
                             <a:srgbClr val="000000"/>
                           </a:solidFill>
                           <a:effectLst/>
-                          <a:latin typeface="游ゴシック" panose="020B0400000000000000" pitchFamily="50" charset="-128"/>
+                          <a:latin typeface="Arial" panose="020B0604020202020204" pitchFamily="34" charset="0"/>
                           <a:ea typeface="游ゴシック" panose="020B0400000000000000" pitchFamily="50" charset="-128"/>
+                          <a:cs typeface="Arial" panose="020B0604020202020204" pitchFamily="34" charset="0"/>
                         </a:rPr>
                         <a:t>Execute Playbook</a:t>
                       </a:r>
@@ -28166,8 +28085,9 @@
                           <a:srgbClr val="000000"/>
                         </a:solidFill>
                         <a:effectLst/>
-                        <a:latin typeface="游ゴシック" panose="020B0400000000000000" pitchFamily="50" charset="-128"/>
+                        <a:latin typeface="Arial" panose="020B0604020202020204" pitchFamily="34" charset="0"/>
                         <a:ea typeface="游ゴシック" panose="020B0400000000000000" pitchFamily="50" charset="-128"/>
+                        <a:cs typeface="Arial" panose="020B0604020202020204" pitchFamily="34" charset="0"/>
                       </a:endParaRPr>
                     </a:p>
                   </a:txBody>
@@ -28489,32 +28409,11 @@
                             <a:srgbClr val="000000"/>
                           </a:solidFill>
                           <a:effectLst/>
-                          <a:latin typeface="游ゴシック" panose="020B0400000000000000" pitchFamily="50" charset="-128"/>
+                          <a:latin typeface="Arial" panose="020B0604020202020204" pitchFamily="34" charset="0"/>
                           <a:ea typeface="游ゴシック" panose="020B0400000000000000" pitchFamily="50" charset="-128"/>
+                          <a:cs typeface="Arial" panose="020B0604020202020204" pitchFamily="34" charset="0"/>
                         </a:rPr>
-                        <a:t>The text file used for the </a:t>
-                      </a:r>
-                      <a:r>
-                        <a:rPr lang="en-US" sz="1100" b="0" i="0" u="none" strike="noStrike" dirty="0" smtClean="0">
-                          <a:solidFill>
-                            <a:srgbClr val="000000"/>
-                          </a:solidFill>
-                          <a:effectLst/>
-                          <a:latin typeface="游ゴシック" panose="020B0400000000000000" pitchFamily="50" charset="-128"/>
-                          <a:ea typeface="游ゴシック" panose="020B0400000000000000" pitchFamily="50" charset="-128"/>
-                        </a:rPr>
-                        <a:t>Playbook </a:t>
-                      </a:r>
-                      <a:r>
-                        <a:rPr lang="en-US" sz="1100" b="0" i="0" u="none" strike="noStrike" dirty="0">
-                          <a:solidFill>
-                            <a:srgbClr val="000000"/>
-                          </a:solidFill>
-                          <a:effectLst/>
-                          <a:latin typeface="游ゴシック" panose="020B0400000000000000" pitchFamily="50" charset="-128"/>
-                          <a:ea typeface="游ゴシック" panose="020B0400000000000000" pitchFamily="50" charset="-128"/>
-                        </a:rPr>
-                        <a:t>getting executed</a:t>
+                        <a:t>The text file used for the playbook getting executed</a:t>
                       </a:r>
                     </a:p>
                   </a:txBody>
@@ -30221,25 +30120,7 @@
                 </a:solidFill>
                 <a:latin typeface="+mj-ea"/>
               </a:rPr>
-              <a:t>The </a:t>
-            </a:r>
-            <a:r>
-              <a:rPr lang="en-US" altLang="ja-JP" sz="1400" b="1" dirty="0" smtClean="0">
-                <a:solidFill>
-                  <a:schemeClr val="bg1"/>
-                </a:solidFill>
-                <a:latin typeface="+mj-ea"/>
-              </a:rPr>
-              <a:t>Playbook </a:t>
-            </a:r>
-            <a:r>
-              <a:rPr lang="en-US" altLang="ja-JP" sz="1400" b="1" dirty="0" smtClean="0">
-                <a:solidFill>
-                  <a:schemeClr val="bg1"/>
-                </a:solidFill>
-                <a:latin typeface="+mj-ea"/>
-              </a:rPr>
-              <a:t>is </a:t>
+              <a:t>The playbook is </a:t>
             </a:r>
             <a:br>
               <a:rPr lang="en-US" altLang="ja-JP" sz="1400" b="1" dirty="0" smtClean="0">
@@ -31712,118 +31593,6 @@
       </p:sp>
       <p:sp>
         <p:nvSpPr>
-          <p:cNvPr id="12" name="角丸四角形 11"/>
-          <p:cNvSpPr/>
-          <p:nvPr/>
-        </p:nvSpPr>
-        <p:spPr bwMode="auto">
-          <a:xfrm>
-            <a:off x="1024344" y="3541843"/>
-            <a:ext cx="4320000" cy="1532151"/>
-          </a:xfrm>
-          <a:prstGeom prst="roundRect">
-            <a:avLst>
-              <a:gd name="adj" fmla="val 9148"/>
-            </a:avLst>
-          </a:prstGeom>
-          <a:solidFill>
-            <a:schemeClr val="accent6">
-              <a:lumMod val="75000"/>
-              <a:lumOff val="25000"/>
-              <a:alpha val="10000"/>
-            </a:schemeClr>
-          </a:solidFill>
-          <a:ln w="28575">
-            <a:solidFill>
-              <a:schemeClr val="accent2">
-                <a:lumMod val="60000"/>
-                <a:lumOff val="40000"/>
-              </a:schemeClr>
-            </a:solidFill>
-          </a:ln>
-          <a:effectLst/>
-          <a:extLst/>
-        </p:spPr>
-        <p:txBody>
-          <a:bodyPr rot="0" spcFirstLastPara="0" vertOverflow="overflow" horzOverflow="overflow" vert="horz" wrap="none" lIns="72000" tIns="72000" rIns="72000" bIns="72000" numCol="1" spcCol="0" rtlCol="0" fromWordArt="0" anchor="b" anchorCtr="0" forceAA="0" compatLnSpc="1">
-            <a:prstTxWarp prst="textNoShape">
-              <a:avLst/>
-            </a:prstTxWarp>
-            <a:noAutofit/>
-          </a:bodyPr>
-          <a:lstStyle/>
-          <a:p>
-            <a:pPr algn="r"/>
-            <a:r>
-              <a:rPr kumimoji="1" lang="ja-JP" altLang="en-US" sz="2400" b="1" dirty="0" smtClean="0">
-                <a:solidFill>
-                  <a:schemeClr val="bg1"/>
-                </a:solidFill>
-                <a:latin typeface="+mn-ea"/>
-              </a:rPr>
-              <a:t>①</a:t>
-            </a:r>
-          </a:p>
-        </p:txBody>
-      </p:sp>
-      <p:sp>
-        <p:nvSpPr>
-          <p:cNvPr id="13" name="角丸四角形 12"/>
-          <p:cNvSpPr/>
-          <p:nvPr/>
-        </p:nvSpPr>
-        <p:spPr bwMode="auto">
-          <a:xfrm>
-            <a:off x="1062875" y="5140479"/>
-            <a:ext cx="4320000" cy="612000"/>
-          </a:xfrm>
-          <a:prstGeom prst="roundRect">
-            <a:avLst>
-              <a:gd name="adj" fmla="val 19750"/>
-            </a:avLst>
-          </a:prstGeom>
-          <a:solidFill>
-            <a:schemeClr val="accent6">
-              <a:lumMod val="75000"/>
-              <a:lumOff val="25000"/>
-              <a:alpha val="10000"/>
-            </a:schemeClr>
-          </a:solidFill>
-          <a:ln w="28575">
-            <a:solidFill>
-              <a:schemeClr val="accent2">
-                <a:lumMod val="60000"/>
-                <a:lumOff val="40000"/>
-              </a:schemeClr>
-            </a:solidFill>
-          </a:ln>
-          <a:effectLst/>
-          <a:extLst/>
-        </p:spPr>
-        <p:txBody>
-          <a:bodyPr rot="0" spcFirstLastPara="0" vertOverflow="overflow" horzOverflow="overflow" vert="horz" wrap="none" lIns="72000" tIns="72000" rIns="72000" bIns="72000" numCol="1" spcCol="0" rtlCol="0" fromWordArt="0" anchor="b" anchorCtr="0" forceAA="0" compatLnSpc="1">
-            <a:prstTxWarp prst="textNoShape">
-              <a:avLst/>
-            </a:prstTxWarp>
-            <a:noAutofit/>
-          </a:bodyPr>
-          <a:lstStyle/>
-          <a:p>
-            <a:pPr algn="r"/>
-            <a:r>
-              <a:rPr kumimoji="1" lang="ja-JP" altLang="en-US" sz="2400" b="1" dirty="0" smtClean="0">
-                <a:solidFill>
-                  <a:schemeClr val="bg1"/>
-                </a:solidFill>
-                <a:latin typeface="+mn-ea"/>
-              </a:rPr>
-              <a:t>②</a:t>
-            </a:r>
-          </a:p>
-        </p:txBody>
-      </p:sp>
-      <p:sp>
-        <p:nvSpPr>
           <p:cNvPr id="8" name="四角形吹き出し 7"/>
           <p:cNvSpPr/>
           <p:nvPr/>
@@ -32245,6 +32014,104 @@
           </a:p>
           <a:p>
             <a:endParaRPr lang="en-US" altLang="ja-JP" sz="1600" kern="0" dirty="0"/>
+          </a:p>
+        </p:txBody>
+      </p:sp>
+      <p:sp>
+        <p:nvSpPr>
+          <p:cNvPr id="16" name="角丸四角形 15"/>
+          <p:cNvSpPr/>
+          <p:nvPr/>
+        </p:nvSpPr>
+        <p:spPr bwMode="auto">
+          <a:xfrm>
+            <a:off x="1062875" y="3612079"/>
+            <a:ext cx="4320000" cy="1476000"/>
+          </a:xfrm>
+          <a:prstGeom prst="roundRect">
+            <a:avLst>
+              <a:gd name="adj" fmla="val 9148"/>
+            </a:avLst>
+          </a:prstGeom>
+          <a:noFill/>
+          <a:ln w="28575">
+            <a:solidFill>
+              <a:schemeClr val="accent2">
+                <a:lumMod val="60000"/>
+                <a:lumOff val="40000"/>
+              </a:schemeClr>
+            </a:solidFill>
+          </a:ln>
+          <a:effectLst/>
+        </p:spPr>
+        <p:txBody>
+          <a:bodyPr rot="0" spcFirstLastPara="0" vertOverflow="overflow" horzOverflow="overflow" vert="horz" wrap="none" lIns="72000" tIns="72000" rIns="72000" bIns="72000" numCol="1" spcCol="0" rtlCol="0" fromWordArt="0" anchor="b" anchorCtr="0" forceAA="0" compatLnSpc="1">
+            <a:prstTxWarp prst="textNoShape">
+              <a:avLst/>
+            </a:prstTxWarp>
+            <a:noAutofit/>
+          </a:bodyPr>
+          <a:lstStyle/>
+          <a:p>
+            <a:pPr algn="r"/>
+            <a:r>
+              <a:rPr kumimoji="1" lang="ja-JP" altLang="en-US" sz="2400" b="1" dirty="0">
+                <a:solidFill>
+                  <a:schemeClr val="bg1"/>
+                </a:solidFill>
+                <a:latin typeface="+mn-ea"/>
+              </a:rPr>
+              <a:t>①</a:t>
+            </a:r>
+          </a:p>
+        </p:txBody>
+      </p:sp>
+      <p:sp>
+        <p:nvSpPr>
+          <p:cNvPr id="17" name="角丸四角形 16"/>
+          <p:cNvSpPr/>
+          <p:nvPr/>
+        </p:nvSpPr>
+        <p:spPr bwMode="auto">
+          <a:xfrm>
+            <a:off x="1062875" y="5140479"/>
+            <a:ext cx="4320000" cy="612000"/>
+          </a:xfrm>
+          <a:prstGeom prst="roundRect">
+            <a:avLst>
+              <a:gd name="adj" fmla="val 19750"/>
+            </a:avLst>
+          </a:prstGeom>
+          <a:noFill/>
+          <a:ln w="28575">
+            <a:solidFill>
+              <a:schemeClr val="accent2">
+                <a:lumMod val="60000"/>
+                <a:lumOff val="40000"/>
+              </a:schemeClr>
+            </a:solidFill>
+          </a:ln>
+          <a:effectLst/>
+        </p:spPr>
+        <p:txBody>
+          <a:bodyPr rot="0" spcFirstLastPara="0" vertOverflow="overflow" horzOverflow="overflow" vert="horz" wrap="none" lIns="72000" tIns="72000" rIns="72000" bIns="72000" numCol="1" spcCol="0" rtlCol="0" fromWordArt="0" anchor="b" anchorCtr="0" forceAA="0" compatLnSpc="1">
+            <a:prstTxWarp prst="textNoShape">
+              <a:avLst/>
+            </a:prstTxWarp>
+            <a:noAutofit/>
+          </a:bodyPr>
+          <a:lstStyle/>
+          <a:p>
+            <a:pPr algn="r"/>
+            <a:r>
+              <a:rPr kumimoji="1" lang="ja-JP" altLang="en-US" sz="2400" b="1" dirty="0">
+                <a:solidFill>
+                  <a:schemeClr val="bg1"/>
+                </a:solidFill>
+                <a:latin typeface="+mn-ea"/>
+              </a:rPr>
+              <a:t>②</a:t>
+            </a:r>
           </a:p>
         </p:txBody>
       </p:sp>
@@ -36558,7 +36425,7 @@
       </p:grpSpPr>
       <p:pic>
         <p:nvPicPr>
-          <p:cNvPr id="4" name="図 3"/>
+          <p:cNvPr id="7" name="図 6"/>
           <p:cNvPicPr>
             <a:picLocks noChangeAspect="1"/>
           </p:cNvPicPr>
@@ -36572,8 +36439,8 @@
         </p:blipFill>
         <p:spPr>
           <a:xfrm>
-            <a:off x="179267" y="2204830"/>
-            <a:ext cx="8662533" cy="4204938"/>
+            <a:off x="775470" y="2204830"/>
+            <a:ext cx="8150462" cy="3839509"/>
           </a:xfrm>
           <a:prstGeom prst="rect">
             <a:avLst/>
@@ -36659,15 +36526,7 @@
             </a:r>
             <a:r>
               <a:rPr lang="en-US" altLang="ja-JP" dirty="0" smtClean="0"/>
-              <a:t>and </a:t>
-            </a:r>
-            <a:r>
-              <a:rPr lang="en-US" altLang="ja-JP" dirty="0" smtClean="0"/>
-              <a:t>overview</a:t>
-            </a:r>
-            <a:r>
-              <a:rPr lang="en-US" altLang="ja-JP" dirty="0" smtClean="0"/>
-              <a:t> </a:t>
+              <a:t>and concept </a:t>
             </a:r>
             <a:r>
               <a:rPr lang="en-US" altLang="ja-JP" dirty="0"/>
@@ -36895,8 +36754,8 @@
         </p:nvSpPr>
         <p:spPr bwMode="auto">
           <a:xfrm>
-            <a:off x="1088696" y="4573071"/>
-            <a:ext cx="1854274" cy="800199"/>
+            <a:off x="3369679" y="3718713"/>
+            <a:ext cx="1712968" cy="657501"/>
           </a:xfrm>
           <a:prstGeom prst="rect">
             <a:avLst/>
@@ -36934,8 +36793,8 @@
         </p:nvSpPr>
         <p:spPr bwMode="auto">
           <a:xfrm>
-            <a:off x="4139940" y="3789050"/>
-            <a:ext cx="648090" cy="784021"/>
+            <a:off x="2788376" y="3718713"/>
+            <a:ext cx="581304" cy="657501"/>
           </a:xfrm>
           <a:prstGeom prst="rect">
             <a:avLst/>
@@ -36976,13 +36835,13 @@
         </p:nvSpPr>
         <p:spPr bwMode="auto">
           <a:xfrm>
-            <a:off x="1182156" y="5654863"/>
+            <a:off x="3275820" y="5011274"/>
             <a:ext cx="2938130" cy="720100"/>
           </a:xfrm>
           <a:prstGeom prst="wedgeRoundRectCallout">
             <a:avLst>
-              <a:gd name="adj1" fmla="val -23751"/>
-              <a:gd name="adj2" fmla="val -82183"/>
+              <a:gd name="adj1" fmla="val -30730"/>
+              <a:gd name="adj2" fmla="val -129513"/>
               <a:gd name="adj3" fmla="val 16667"/>
             </a:avLst>
           </a:prstGeom>
@@ -37039,13 +36898,13 @@
         </p:nvSpPr>
         <p:spPr bwMode="auto">
           <a:xfrm>
-            <a:off x="5123174" y="3543395"/>
-            <a:ext cx="2545255" cy="2831568"/>
+            <a:off x="56376" y="3751394"/>
+            <a:ext cx="2369788" cy="2831568"/>
           </a:xfrm>
           <a:prstGeom prst="wedgeRoundRectCallout">
             <a:avLst>
-              <a:gd name="adj1" fmla="val -60383"/>
-              <a:gd name="adj2" fmla="val -28714"/>
+              <a:gd name="adj1" fmla="val 62938"/>
+              <a:gd name="adj2" fmla="val -31649"/>
               <a:gd name="adj3" fmla="val 16667"/>
             </a:avLst>
           </a:prstGeom>
@@ -37072,6 +36931,7 @@
           </a:bodyPr>
           <a:lstStyle/>
           <a:p>
+            <a:pPr algn="ctr"/>
             <a:r>
               <a:rPr lang="en-US" altLang="ja-JP" sz="1100" dirty="0"/>
               <a:t>The "Ansible Common" menu group manages menus used by the other Ansible menu groups. The menus are as following. </a:t>
